--- a/TKOSharePoint_SPSHOU.pptx
+++ b/TKOSharePoint_SPSHOU.pptx
@@ -6,7 +6,7 @@
     <p:sldMasterId id="2147483660" r:id="rId2"/>
   </p:sldMasterIdLst>
   <p:notesMasterIdLst>
-    <p:notesMasterId r:id="rId32"/>
+    <p:notesMasterId r:id="rId34"/>
   </p:notesMasterIdLst>
   <p:sldIdLst>
     <p:sldId id="259" r:id="rId3"/>
@@ -37,7 +37,9 @@
     <p:sldId id="284" r:id="rId28"/>
     <p:sldId id="285" r:id="rId29"/>
     <p:sldId id="278" r:id="rId30"/>
-    <p:sldId id="277" r:id="rId31"/>
+    <p:sldId id="287" r:id="rId31"/>
+    <p:sldId id="277" r:id="rId32"/>
+    <p:sldId id="286" r:id="rId33"/>
   </p:sldIdLst>
   <p:sldSz cx="12192000" cy="6858000"/>
   <p:notesSz cx="6858000" cy="9144000"/>
@@ -5401,10 +5403,10 @@
         <a:lstStyle/>
         <a:p>
           <a:r>
-            <a:rPr lang="en-US" b="1"/>
+            <a:rPr lang="en-US" b="1" dirty="0"/>
             <a:t>Talk a little about Typescript</a:t>
           </a:r>
-          <a:endParaRPr lang="en-US"/>
+          <a:endParaRPr lang="en-US" dirty="0"/>
         </a:p>
       </dgm:t>
     </dgm:pt>
@@ -5442,10 +5444,10 @@
         <a:lstStyle/>
         <a:p>
           <a:r>
-            <a:rPr lang="en-US" b="1"/>
+            <a:rPr lang="en-US" b="1" dirty="0"/>
             <a:t>Talk a little about Knockout</a:t>
           </a:r>
-          <a:endParaRPr lang="en-US"/>
+          <a:endParaRPr lang="en-US" dirty="0"/>
         </a:p>
       </dgm:t>
     </dgm:pt>
@@ -5479,10 +5481,10 @@
         <a:lstStyle/>
         <a:p>
           <a:r>
-            <a:rPr lang="en-US" b="1"/>
+            <a:rPr lang="en-US" b="1" dirty="0"/>
             <a:t>Demo using them in SharePoint</a:t>
           </a:r>
-          <a:endParaRPr lang="en-US"/>
+          <a:endParaRPr lang="en-US" dirty="0"/>
         </a:p>
       </dgm:t>
     </dgm:pt>
@@ -5516,13 +5518,6 @@
         </dgm:presLayoutVars>
       </dgm:prSet>
       <dgm:spPr/>
-      <dgm:t>
-        <a:bodyPr/>
-        <a:lstStyle/>
-        <a:p>
-          <a:endParaRPr lang="en-US"/>
-        </a:p>
-      </dgm:t>
     </dgm:pt>
     <dgm:pt modelId="{8EE0EFBD-DF3A-4292-9159-0A070DC220D5}" type="pres">
       <dgm:prSet presAssocID="{7363E930-BCFA-4416-9D46-B920D5B0AE97}" presName="parentText" presStyleLbl="node1" presStyleIdx="0" presStyleCnt="3">
@@ -5532,13 +5527,6 @@
         </dgm:presLayoutVars>
       </dgm:prSet>
       <dgm:spPr/>
-      <dgm:t>
-        <a:bodyPr/>
-        <a:lstStyle/>
-        <a:p>
-          <a:endParaRPr lang="en-US"/>
-        </a:p>
-      </dgm:t>
     </dgm:pt>
     <dgm:pt modelId="{24E0FF0E-FB52-4476-BCBE-A8F72E5B808A}" type="pres">
       <dgm:prSet presAssocID="{556E14A5-48AF-44CB-BE10-E5F227E37991}" presName="spacer" presStyleCnt="0"/>
@@ -5552,13 +5540,6 @@
         </dgm:presLayoutVars>
       </dgm:prSet>
       <dgm:spPr/>
-      <dgm:t>
-        <a:bodyPr/>
-        <a:lstStyle/>
-        <a:p>
-          <a:endParaRPr lang="en-US"/>
-        </a:p>
-      </dgm:t>
     </dgm:pt>
     <dgm:pt modelId="{F2314DB5-79FD-4CF5-A0BB-C54D3B258931}" type="pres">
       <dgm:prSet presAssocID="{97562922-CD85-4660-9ACD-655FB0335D21}" presName="spacer" presStyleCnt="0"/>
@@ -5572,22 +5553,15 @@
         </dgm:presLayoutVars>
       </dgm:prSet>
       <dgm:spPr/>
-      <dgm:t>
-        <a:bodyPr/>
-        <a:lstStyle/>
-        <a:p>
-          <a:endParaRPr lang="en-US"/>
-        </a:p>
-      </dgm:t>
     </dgm:pt>
   </dgm:ptLst>
   <dgm:cxnLst>
+    <dgm:cxn modelId="{70387326-7C29-45B2-A292-404865D0AD82}" type="presOf" srcId="{F8374C58-5123-4F98-8431-21D16617A201}" destId="{7767981E-7971-4E48-A6C5-A83F290E8596}" srcOrd="0" destOrd="0" presId="urn:microsoft.com/office/officeart/2005/8/layout/vList2"/>
+    <dgm:cxn modelId="{3124A570-F8FB-4F69-8419-6AB30AECBAD2}" type="presOf" srcId="{B21618F0-CB09-4AAE-8EBF-7CB87B8BED3F}" destId="{216244C1-D423-4173-8449-237AEB57C120}" srcOrd="0" destOrd="0" presId="urn:microsoft.com/office/officeart/2005/8/layout/vList2"/>
+    <dgm:cxn modelId="{DAFCD590-58B2-4604-A806-781B9D1F53B1}" type="presOf" srcId="{7363E930-BCFA-4416-9D46-B920D5B0AE97}" destId="{8EE0EFBD-DF3A-4292-9159-0A070DC220D5}" srcOrd="0" destOrd="0" presId="urn:microsoft.com/office/officeart/2005/8/layout/vList2"/>
+    <dgm:cxn modelId="{E18BBCA7-B78B-447B-8348-39B3595F403C}" srcId="{F8374C58-5123-4F98-8431-21D16617A201}" destId="{7363E930-BCFA-4416-9D46-B920D5B0AE97}" srcOrd="0" destOrd="0" parTransId="{DBDD288E-9B10-4DB8-AAB4-95E8703481A3}" sibTransId="{556E14A5-48AF-44CB-BE10-E5F227E37991}"/>
     <dgm:cxn modelId="{5F2860B7-662D-49F9-B210-2960B2D6E92B}" srcId="{F8374C58-5123-4F98-8431-21D16617A201}" destId="{2F49C3D5-A7D0-4B5C-8B20-6373B1FB66C0}" srcOrd="2" destOrd="0" parTransId="{33B1255E-BB2C-4830-9547-8788EDFC7B1E}" sibTransId="{5ECC3B6C-4D97-4190-B3DF-BA8F5138717A}"/>
-    <dgm:cxn modelId="{70387326-7C29-45B2-A292-404865D0AD82}" type="presOf" srcId="{F8374C58-5123-4F98-8431-21D16617A201}" destId="{7767981E-7971-4E48-A6C5-A83F290E8596}" srcOrd="0" destOrd="0" presId="urn:microsoft.com/office/officeart/2005/8/layout/vList2"/>
-    <dgm:cxn modelId="{E18BBCA7-B78B-447B-8348-39B3595F403C}" srcId="{F8374C58-5123-4F98-8431-21D16617A201}" destId="{7363E930-BCFA-4416-9D46-B920D5B0AE97}" srcOrd="0" destOrd="0" parTransId="{DBDD288E-9B10-4DB8-AAB4-95E8703481A3}" sibTransId="{556E14A5-48AF-44CB-BE10-E5F227E37991}"/>
     <dgm:cxn modelId="{46176DC0-5AE1-4572-8AA7-44171A0C2F29}" srcId="{F8374C58-5123-4F98-8431-21D16617A201}" destId="{B21618F0-CB09-4AAE-8EBF-7CB87B8BED3F}" srcOrd="1" destOrd="0" parTransId="{AF1E34A2-A85C-4AA0-BAA5-C976E9609D5D}" sibTransId="{97562922-CD85-4660-9ACD-655FB0335D21}"/>
-    <dgm:cxn modelId="{DAFCD590-58B2-4604-A806-781B9D1F53B1}" type="presOf" srcId="{7363E930-BCFA-4416-9D46-B920D5B0AE97}" destId="{8EE0EFBD-DF3A-4292-9159-0A070DC220D5}" srcOrd="0" destOrd="0" presId="urn:microsoft.com/office/officeart/2005/8/layout/vList2"/>
-    <dgm:cxn modelId="{3124A570-F8FB-4F69-8419-6AB30AECBAD2}" type="presOf" srcId="{B21618F0-CB09-4AAE-8EBF-7CB87B8BED3F}" destId="{216244C1-D423-4173-8449-237AEB57C120}" srcOrd="0" destOrd="0" presId="urn:microsoft.com/office/officeart/2005/8/layout/vList2"/>
     <dgm:cxn modelId="{5C7392F1-65A7-477D-923A-8714355B8EBB}" type="presOf" srcId="{2F49C3D5-A7D0-4B5C-8B20-6373B1FB66C0}" destId="{E5CF1062-7797-44A6-AF37-05701425EF43}" srcOrd="0" destOrd="0" presId="urn:microsoft.com/office/officeart/2005/8/layout/vList2"/>
     <dgm:cxn modelId="{A4A8B424-AC70-41E3-AAF8-82601B00E4FB}" type="presParOf" srcId="{7767981E-7971-4E48-A6C5-A83F290E8596}" destId="{8EE0EFBD-DF3A-4292-9159-0A070DC220D5}" srcOrd="0" destOrd="0" presId="urn:microsoft.com/office/officeart/2005/8/layout/vList2"/>
     <dgm:cxn modelId="{4AE167F0-4351-4C1A-8C95-3931A763E778}" type="presParOf" srcId="{7767981E-7971-4E48-A6C5-A83F290E8596}" destId="{24E0FF0E-FB52-4476-BCBE-A8F72E5B808A}" srcOrd="1" destOrd="0" presId="urn:microsoft.com/office/officeart/2005/8/layout/vList2"/>
@@ -5599,7 +5573,7 @@
   <dgm:whole/>
   <dgm:extLst>
     <a:ext uri="http://schemas.microsoft.com/office/drawing/2008/diagram">
-      <dsp:dataModelExt xmlns:dsp="http://schemas.microsoft.com/office/drawing/2008/diagram" relId="rId6" minVer="http://schemas.openxmlformats.org/drawingml/2006/diagram"/>
+      <dsp:dataModelExt xmlns:dsp="http://schemas.microsoft.com/office/drawing/2008/diagram" relId="rId7" minVer="http://schemas.openxmlformats.org/drawingml/2006/diagram"/>
     </a:ext>
   </dgm:extLst>
 </dgm:dataModel>
@@ -5739,13 +5713,6 @@
         </dgm:presLayoutVars>
       </dgm:prSet>
       <dgm:spPr/>
-      <dgm:t>
-        <a:bodyPr/>
-        <a:lstStyle/>
-        <a:p>
-          <a:endParaRPr lang="en-US"/>
-        </a:p>
-      </dgm:t>
     </dgm:pt>
     <dgm:pt modelId="{80F99D7C-976F-482A-A115-9DE07BE54028}" type="pres">
       <dgm:prSet presAssocID="{CBA431CB-79A9-4E88-B1E7-65E6A5B6965C}" presName="linNode" presStyleCnt="0"/>
@@ -5759,13 +5726,6 @@
         </dgm:presLayoutVars>
       </dgm:prSet>
       <dgm:spPr/>
-      <dgm:t>
-        <a:bodyPr/>
-        <a:lstStyle/>
-        <a:p>
-          <a:endParaRPr lang="en-US"/>
-        </a:p>
-      </dgm:t>
     </dgm:pt>
     <dgm:pt modelId="{FAE3D478-89F9-411B-B8F1-B30ECE74E112}" type="pres">
       <dgm:prSet presAssocID="{6AF2AD4A-8470-485C-AD3B-B8C8B751CB56}" presName="sp" presStyleCnt="0"/>
@@ -5783,13 +5743,6 @@
         </dgm:presLayoutVars>
       </dgm:prSet>
       <dgm:spPr/>
-      <dgm:t>
-        <a:bodyPr/>
-        <a:lstStyle/>
-        <a:p>
-          <a:endParaRPr lang="en-US"/>
-        </a:p>
-      </dgm:t>
     </dgm:pt>
     <dgm:pt modelId="{725D588B-2AC4-4D05-8897-40FB0619E609}" type="pres">
       <dgm:prSet presAssocID="{6FC06D51-493E-4445-B954-FCC90A96C4AF}" presName="sp" presStyleCnt="0"/>
@@ -5807,23 +5760,16 @@
         </dgm:presLayoutVars>
       </dgm:prSet>
       <dgm:spPr/>
-      <dgm:t>
-        <a:bodyPr/>
-        <a:lstStyle/>
-        <a:p>
-          <a:endParaRPr lang="en-US"/>
-        </a:p>
-      </dgm:t>
     </dgm:pt>
   </dgm:ptLst>
   <dgm:cxnLst>
+    <dgm:cxn modelId="{A482F21F-A3F1-408A-8BDF-ECD8F78E1187}" type="presOf" srcId="{CE52C3B1-CD1C-41F7-BE8B-6B7B20A9BF8C}" destId="{78D863EE-3D5F-4FA9-9867-B480DE92A514}" srcOrd="0" destOrd="0" presId="urn:microsoft.com/office/officeart/2005/8/layout/vList5"/>
+    <dgm:cxn modelId="{63E7C13C-4E38-464D-A9ED-DD73FA73DB0B}" srcId="{E1B82E88-6702-4FFF-A878-4A227B04ECCA}" destId="{20D5A8D8-4F6D-41CE-A074-0FAFB759541B}" srcOrd="2" destOrd="0" parTransId="{608404F2-7AAB-4174-AE3A-70B7F0E944C2}" sibTransId="{7DBF02B8-448E-4CEE-AAA6-802F7637B95A}"/>
     <dgm:cxn modelId="{DC70A542-EDFC-44C1-9E17-1823876581E5}" type="presOf" srcId="{E1B82E88-6702-4FFF-A878-4A227B04ECCA}" destId="{AF03BD3A-6DE6-43CB-A2AA-C8D91B78985A}" srcOrd="0" destOrd="0" presId="urn:microsoft.com/office/officeart/2005/8/layout/vList5"/>
     <dgm:cxn modelId="{2780FA58-90C8-4F99-8741-8D705157AE8B}" type="presOf" srcId="{20D5A8D8-4F6D-41CE-A074-0FAFB759541B}" destId="{B803BD96-31F3-4D11-9283-4A1DB5B9DE28}" srcOrd="0" destOrd="0" presId="urn:microsoft.com/office/officeart/2005/8/layout/vList5"/>
-    <dgm:cxn modelId="{63E7C13C-4E38-464D-A9ED-DD73FA73DB0B}" srcId="{E1B82E88-6702-4FFF-A878-4A227B04ECCA}" destId="{20D5A8D8-4F6D-41CE-A074-0FAFB759541B}" srcOrd="2" destOrd="0" parTransId="{608404F2-7AAB-4174-AE3A-70B7F0E944C2}" sibTransId="{7DBF02B8-448E-4CEE-AAA6-802F7637B95A}"/>
-    <dgm:cxn modelId="{A482F21F-A3F1-408A-8BDF-ECD8F78E1187}" type="presOf" srcId="{CE52C3B1-CD1C-41F7-BE8B-6B7B20A9BF8C}" destId="{78D863EE-3D5F-4FA9-9867-B480DE92A514}" srcOrd="0" destOrd="0" presId="urn:microsoft.com/office/officeart/2005/8/layout/vList5"/>
-    <dgm:cxn modelId="{EE0652DB-0545-4054-8E87-60C7F9F56151}" type="presOf" srcId="{CBA431CB-79A9-4E88-B1E7-65E6A5B6965C}" destId="{2C19A970-0289-4F66-89A8-EFF6EF1A4264}" srcOrd="0" destOrd="0" presId="urn:microsoft.com/office/officeart/2005/8/layout/vList5"/>
     <dgm:cxn modelId="{5C41FB87-5960-4D82-BB40-AE24538B957E}" srcId="{E1B82E88-6702-4FFF-A878-4A227B04ECCA}" destId="{CE52C3B1-CD1C-41F7-BE8B-6B7B20A9BF8C}" srcOrd="1" destOrd="0" parTransId="{5F7A0E87-D3EB-46AF-B1D6-656B560F1C1E}" sibTransId="{6FC06D51-493E-4445-B954-FCC90A96C4AF}"/>
     <dgm:cxn modelId="{D3325CB4-4770-4D7C-AB9C-70E1476F22EB}" srcId="{E1B82E88-6702-4FFF-A878-4A227B04ECCA}" destId="{CBA431CB-79A9-4E88-B1E7-65E6A5B6965C}" srcOrd="0" destOrd="0" parTransId="{A0CA8C20-CDCF-46EB-93D1-B59CF55E6011}" sibTransId="{6AF2AD4A-8470-485C-AD3B-B8C8B751CB56}"/>
+    <dgm:cxn modelId="{EE0652DB-0545-4054-8E87-60C7F9F56151}" type="presOf" srcId="{CBA431CB-79A9-4E88-B1E7-65E6A5B6965C}" destId="{2C19A970-0289-4F66-89A8-EFF6EF1A4264}" srcOrd="0" destOrd="0" presId="urn:microsoft.com/office/officeart/2005/8/layout/vList5"/>
     <dgm:cxn modelId="{E14F7730-0F00-4019-8C73-9A8834113D5E}" type="presParOf" srcId="{AF03BD3A-6DE6-43CB-A2AA-C8D91B78985A}" destId="{80F99D7C-976F-482A-A115-9DE07BE54028}" srcOrd="0" destOrd="0" presId="urn:microsoft.com/office/officeart/2005/8/layout/vList5"/>
     <dgm:cxn modelId="{2B70060B-E2FA-4D35-A89B-D4F8F5EC8F10}" type="presParOf" srcId="{80F99D7C-976F-482A-A115-9DE07BE54028}" destId="{2C19A970-0289-4F66-89A8-EFF6EF1A4264}" srcOrd="0" destOrd="0" presId="urn:microsoft.com/office/officeart/2005/8/layout/vList5"/>
     <dgm:cxn modelId="{9A44A180-9397-4903-8910-CCA3ED0EDBE7}" type="presParOf" srcId="{AF03BD3A-6DE6-43CB-A2AA-C8D91B78985A}" destId="{FAE3D478-89F9-411B-B8F1-B30ECE74E112}" srcOrd="1" destOrd="0" presId="urn:microsoft.com/office/officeart/2005/8/layout/vList5"/>
@@ -6035,13 +5981,6 @@
         </dgm:presLayoutVars>
       </dgm:prSet>
       <dgm:spPr/>
-      <dgm:t>
-        <a:bodyPr/>
-        <a:lstStyle/>
-        <a:p>
-          <a:endParaRPr lang="en-US"/>
-        </a:p>
-      </dgm:t>
     </dgm:pt>
     <dgm:pt modelId="{E2D29A80-DFF9-42D5-8321-575EC58CC7A6}" type="pres">
       <dgm:prSet presAssocID="{F3919F31-656B-45CE-9B86-3E1BD1068967}" presName="diamond" presStyleLbl="bgShp" presStyleIdx="0" presStyleCnt="1"/>
@@ -6058,13 +5997,6 @@
         </dgm:presLayoutVars>
       </dgm:prSet>
       <dgm:spPr/>
-      <dgm:t>
-        <a:bodyPr/>
-        <a:lstStyle/>
-        <a:p>
-          <a:endParaRPr lang="en-US"/>
-        </a:p>
-      </dgm:t>
     </dgm:pt>
     <dgm:pt modelId="{DC38BAFD-3BF8-4B40-8F7A-81DAB0CC4FB6}" type="pres">
       <dgm:prSet presAssocID="{F3919F31-656B-45CE-9B86-3E1BD1068967}" presName="quad2" presStyleLbl="node1" presStyleIdx="1" presStyleCnt="4" custScaleX="190748" custLinFactNeighborX="50733" custLinFactNeighborY="-320">
@@ -6075,13 +6007,6 @@
         </dgm:presLayoutVars>
       </dgm:prSet>
       <dgm:spPr/>
-      <dgm:t>
-        <a:bodyPr/>
-        <a:lstStyle/>
-        <a:p>
-          <a:endParaRPr lang="en-US"/>
-        </a:p>
-      </dgm:t>
     </dgm:pt>
     <dgm:pt modelId="{D8FA9740-E7D0-417F-A47B-796A16B6EAD4}" type="pres">
       <dgm:prSet presAssocID="{F3919F31-656B-45CE-9B86-3E1BD1068967}" presName="quad3" presStyleLbl="node1" presStyleIdx="2" presStyleCnt="4" custScaleX="190748" custLinFactNeighborX="-46630" custLinFactNeighborY="-920">
@@ -6092,13 +6017,6 @@
         </dgm:presLayoutVars>
       </dgm:prSet>
       <dgm:spPr/>
-      <dgm:t>
-        <a:bodyPr/>
-        <a:lstStyle/>
-        <a:p>
-          <a:endParaRPr lang="en-US"/>
-        </a:p>
-      </dgm:t>
     </dgm:pt>
     <dgm:pt modelId="{D70537A6-6622-4E16-992A-31AB38267826}" type="pres">
       <dgm:prSet presAssocID="{F3919F31-656B-45CE-9B86-3E1BD1068967}" presName="quad4" presStyleLbl="node1" presStyleIdx="3" presStyleCnt="4" custAng="0" custScaleX="190748" custLinFactNeighborX="50733" custLinFactNeighborY="-920">
@@ -6109,24 +6027,17 @@
         </dgm:presLayoutVars>
       </dgm:prSet>
       <dgm:spPr/>
-      <dgm:t>
-        <a:bodyPr/>
-        <a:lstStyle/>
-        <a:p>
-          <a:endParaRPr lang="en-US"/>
-        </a:p>
-      </dgm:t>
     </dgm:pt>
   </dgm:ptLst>
   <dgm:cxnLst>
-    <dgm:cxn modelId="{2771BAA8-6EC8-4890-B853-D31BAC4C416B}" srcId="{F3919F31-656B-45CE-9B86-3E1BD1068967}" destId="{8554055F-73E9-49A2-8468-78D3A8049BE9}" srcOrd="1" destOrd="0" parTransId="{9B9F7270-6770-4E1A-AD9F-3EF92EEF2A55}" sibTransId="{D42EEB68-3810-4194-9220-AC9B3152C60D}"/>
     <dgm:cxn modelId="{956BF93A-F58F-4F95-8008-0E487918FD39}" srcId="{F3919F31-656B-45CE-9B86-3E1BD1068967}" destId="{B5529948-A10F-4D1A-8265-35A1E87D50A6}" srcOrd="2" destOrd="0" parTransId="{A53E7A9F-E909-45A2-A016-EC52EE0AA342}" sibTransId="{BD87BD78-E3D2-4ECE-B5A6-4B086E81170E}"/>
-    <dgm:cxn modelId="{FFE1FABD-5CBF-4552-B341-0EAE0AB14AA9}" type="presOf" srcId="{EFD6E64F-4418-47F2-A3D6-03D9AC667F1D}" destId="{C14930DF-CE5D-439B-A21A-A81E31A88005}" srcOrd="0" destOrd="0" presId="urn:microsoft.com/office/officeart/2005/8/layout/matrix3"/>
-    <dgm:cxn modelId="{A0E28B59-CA70-462B-A97B-620B7D14FD84}" type="presOf" srcId="{B5529948-A10F-4D1A-8265-35A1E87D50A6}" destId="{D8FA9740-E7D0-417F-A47B-796A16B6EAD4}" srcOrd="0" destOrd="0" presId="urn:microsoft.com/office/officeart/2005/8/layout/matrix3"/>
     <dgm:cxn modelId="{2BE1303D-35B9-4215-BFE0-AAF4E6F951B2}" type="presOf" srcId="{8554055F-73E9-49A2-8468-78D3A8049BE9}" destId="{DC38BAFD-3BF8-4B40-8F7A-81DAB0CC4FB6}" srcOrd="0" destOrd="0" presId="urn:microsoft.com/office/officeart/2005/8/layout/matrix3"/>
     <dgm:cxn modelId="{C1BB4D4E-958E-41A4-8821-D55D43AB17FB}" srcId="{F3919F31-656B-45CE-9B86-3E1BD1068967}" destId="{EFD6E64F-4418-47F2-A3D6-03D9AC667F1D}" srcOrd="0" destOrd="0" parTransId="{41D89E60-4833-44B7-8DBE-EB2ABCF4F219}" sibTransId="{5A132525-99CE-41DD-9A3A-3D05AC51E6EC}"/>
+    <dgm:cxn modelId="{A0E28B59-CA70-462B-A97B-620B7D14FD84}" type="presOf" srcId="{B5529948-A10F-4D1A-8265-35A1E87D50A6}" destId="{D8FA9740-E7D0-417F-A47B-796A16B6EAD4}" srcOrd="0" destOrd="0" presId="urn:microsoft.com/office/officeart/2005/8/layout/matrix3"/>
+    <dgm:cxn modelId="{78ACE598-D2D3-4A51-8E88-1DA95AC12A79}" type="presOf" srcId="{13680809-6901-4E53-9C25-B4B772EEEA62}" destId="{D70537A6-6622-4E16-992A-31AB38267826}" srcOrd="0" destOrd="0" presId="urn:microsoft.com/office/officeart/2005/8/layout/matrix3"/>
+    <dgm:cxn modelId="{2771BAA8-6EC8-4890-B853-D31BAC4C416B}" srcId="{F3919F31-656B-45CE-9B86-3E1BD1068967}" destId="{8554055F-73E9-49A2-8468-78D3A8049BE9}" srcOrd="1" destOrd="0" parTransId="{9B9F7270-6770-4E1A-AD9F-3EF92EEF2A55}" sibTransId="{D42EEB68-3810-4194-9220-AC9B3152C60D}"/>
     <dgm:cxn modelId="{4EB791B4-F231-47E4-8119-A20B9B6072E0}" type="presOf" srcId="{F3919F31-656B-45CE-9B86-3E1BD1068967}" destId="{98F078B7-B643-4B8D-99BA-8DF26A930E43}" srcOrd="0" destOrd="0" presId="urn:microsoft.com/office/officeart/2005/8/layout/matrix3"/>
-    <dgm:cxn modelId="{78ACE598-D2D3-4A51-8E88-1DA95AC12A79}" type="presOf" srcId="{13680809-6901-4E53-9C25-B4B772EEEA62}" destId="{D70537A6-6622-4E16-992A-31AB38267826}" srcOrd="0" destOrd="0" presId="urn:microsoft.com/office/officeart/2005/8/layout/matrix3"/>
+    <dgm:cxn modelId="{FFE1FABD-5CBF-4552-B341-0EAE0AB14AA9}" type="presOf" srcId="{EFD6E64F-4418-47F2-A3D6-03D9AC667F1D}" destId="{C14930DF-CE5D-439B-A21A-A81E31A88005}" srcOrd="0" destOrd="0" presId="urn:microsoft.com/office/officeart/2005/8/layout/matrix3"/>
     <dgm:cxn modelId="{D285EFDF-85A3-46E2-A346-FDEC8DE701A1}" srcId="{F3919F31-656B-45CE-9B86-3E1BD1068967}" destId="{13680809-6901-4E53-9C25-B4B772EEEA62}" srcOrd="3" destOrd="0" parTransId="{B5E0A951-B89E-4B96-A32E-A039D8949937}" sibTransId="{782EEAE0-E56C-4168-8CBB-C14BC1ABD9E5}"/>
     <dgm:cxn modelId="{428A0E3A-8CE3-481E-A64F-AC2AC9ADA978}" type="presParOf" srcId="{98F078B7-B643-4B8D-99BA-8DF26A930E43}" destId="{E2D29A80-DFF9-42D5-8321-575EC58CC7A6}" srcOrd="0" destOrd="0" presId="urn:microsoft.com/office/officeart/2005/8/layout/matrix3"/>
     <dgm:cxn modelId="{F5F5CAAA-15B7-4D14-8EC8-E4343F1AFCEF}" type="presParOf" srcId="{98F078B7-B643-4B8D-99BA-8DF26A930E43}" destId="{C14930DF-CE5D-439B-A21A-A81E31A88005}" srcOrd="1" destOrd="0" presId="urn:microsoft.com/office/officeart/2005/8/layout/matrix3"/>
@@ -6204,7 +6115,7 @@
         <a:p>
           <a:pPr rtl="0"/>
           <a:r>
-            <a:rPr lang="en-US"/>
+            <a:rPr lang="en-US" dirty="0"/>
             <a:t>Eases the creation of rich and responsive web sites</a:t>
           </a:r>
         </a:p>
@@ -6279,15 +6190,7 @@
           <a:pPr rtl="0"/>
           <a:r>
             <a:rPr lang="en-US" dirty="0"/>
-            <a:t>Based on the Model View </a:t>
-          </a:r>
-          <a:r>
-            <a:rPr lang="en-US" dirty="0" err="1"/>
-            <a:t>ViewModel</a:t>
-          </a:r>
-          <a:r>
-            <a:rPr lang="en-US" dirty="0"/>
-            <a:t> (MVVM) pattern</a:t>
+            <a:t>Based on the Model View ViewModel (MVVM) pattern</a:t>
           </a:r>
         </a:p>
       </dgm:t>
@@ -6323,13 +6226,6 @@
         </dgm:presLayoutVars>
       </dgm:prSet>
       <dgm:spPr/>
-      <dgm:t>
-        <a:bodyPr/>
-        <a:lstStyle/>
-        <a:p>
-          <a:endParaRPr lang="en-US"/>
-        </a:p>
-      </dgm:t>
     </dgm:pt>
     <dgm:pt modelId="{B9964CC5-1341-42BC-802E-8A32EDBFBD5C}" type="pres">
       <dgm:prSet presAssocID="{46B7AEE9-7CA4-424D-A940-4DFE3C68384B}" presName="linNode" presStyleCnt="0"/>
@@ -6343,13 +6239,6 @@
         </dgm:presLayoutVars>
       </dgm:prSet>
       <dgm:spPr/>
-      <dgm:t>
-        <a:bodyPr/>
-        <a:lstStyle/>
-        <a:p>
-          <a:endParaRPr lang="en-US"/>
-        </a:p>
-      </dgm:t>
     </dgm:pt>
     <dgm:pt modelId="{8EE279FF-EDDB-4EC4-AC76-120A73E9D387}" type="pres">
       <dgm:prSet presAssocID="{47ED3736-E7D0-4A81-AE21-B591EFA7CBB8}" presName="sp" presStyleCnt="0"/>
@@ -6367,13 +6256,6 @@
         </dgm:presLayoutVars>
       </dgm:prSet>
       <dgm:spPr/>
-      <dgm:t>
-        <a:bodyPr/>
-        <a:lstStyle/>
-        <a:p>
-          <a:endParaRPr lang="en-US"/>
-        </a:p>
-      </dgm:t>
     </dgm:pt>
     <dgm:pt modelId="{0E3CA682-D353-4062-9E22-48B3CBB7D95C}" type="pres">
       <dgm:prSet presAssocID="{55DCA9E1-3639-443F-B554-D2F35CA9F48E}" presName="sp" presStyleCnt="0"/>
@@ -6391,13 +6273,6 @@
         </dgm:presLayoutVars>
       </dgm:prSet>
       <dgm:spPr/>
-      <dgm:t>
-        <a:bodyPr/>
-        <a:lstStyle/>
-        <a:p>
-          <a:endParaRPr lang="en-US"/>
-        </a:p>
-      </dgm:t>
     </dgm:pt>
     <dgm:pt modelId="{276DACA1-7D89-4CF9-A02A-3A147AFB57C6}" type="pres">
       <dgm:prSet presAssocID="{A906618F-CEA7-42A5-94D0-A3F0A6E20534}" presName="sp" presStyleCnt="0"/>
@@ -6415,25 +6290,18 @@
         </dgm:presLayoutVars>
       </dgm:prSet>
       <dgm:spPr/>
-      <dgm:t>
-        <a:bodyPr/>
-        <a:lstStyle/>
-        <a:p>
-          <a:endParaRPr lang="en-US"/>
-        </a:p>
-      </dgm:t>
     </dgm:pt>
   </dgm:ptLst>
   <dgm:cxnLst>
-    <dgm:cxn modelId="{2F89A9D1-63B6-40F7-84E0-0B3EEF644B3A}" srcId="{9F227042-BE84-46CD-9493-6B2CA28AFA36}" destId="{B97541EE-CF10-4B0D-8C7E-D90E7310A3AC}" srcOrd="1" destOrd="0" parTransId="{0999BAA2-5E5B-4FEF-8C0A-3F44CEF906D3}" sibTransId="{55DCA9E1-3639-443F-B554-D2F35CA9F48E}"/>
+    <dgm:cxn modelId="{EA2E2011-6BDC-4730-9450-0F0B4C6D1D32}" type="presOf" srcId="{9F227042-BE84-46CD-9493-6B2CA28AFA36}" destId="{AA087025-BE25-4EA0-B525-D44F64E33E50}" srcOrd="0" destOrd="0" presId="urn:microsoft.com/office/officeart/2005/8/layout/vList5"/>
+    <dgm:cxn modelId="{47848211-F8F1-43AE-A223-638F35DC8D2B}" type="presOf" srcId="{279A66D7-184D-4259-9F99-F55F823C96F5}" destId="{4999D31B-B452-463A-ABC3-D972D5D6734A}" srcOrd="0" destOrd="0" presId="urn:microsoft.com/office/officeart/2005/8/layout/vList5"/>
+    <dgm:cxn modelId="{0057B518-B658-47B5-A643-E1104FEFFEF2}" srcId="{9F227042-BE84-46CD-9493-6B2CA28AFA36}" destId="{46B7AEE9-7CA4-424D-A940-4DFE3C68384B}" srcOrd="0" destOrd="0" parTransId="{62A46FD8-2DCF-4B80-B55C-5052B7935DA1}" sibTransId="{47ED3736-E7D0-4A81-AE21-B591EFA7CBB8}"/>
+    <dgm:cxn modelId="{82390F25-6F6C-48A6-8FF6-3C5D5AA86FC0}" type="presOf" srcId="{4F6C0CD6-F977-4D6B-9E30-16FBA61D068D}" destId="{0E1A1D33-51CA-41EE-83DE-AC2EAE45C4A6}" srcOrd="0" destOrd="0" presId="urn:microsoft.com/office/officeart/2005/8/layout/vList5"/>
     <dgm:cxn modelId="{76994F41-2404-49BD-A9E6-D9FC276DD27D}" type="presOf" srcId="{B97541EE-CF10-4B0D-8C7E-D90E7310A3AC}" destId="{6987A3D5-F23F-4C71-97FD-C4066B969232}" srcOrd="0" destOrd="0" presId="urn:microsoft.com/office/officeart/2005/8/layout/vList5"/>
     <dgm:cxn modelId="{CD8B8442-2751-499E-9C81-E950434B3053}" type="presOf" srcId="{46B7AEE9-7CA4-424D-A940-4DFE3C68384B}" destId="{A06141EF-D560-4A24-87F8-6F55C23C99B7}" srcOrd="0" destOrd="0" presId="urn:microsoft.com/office/officeart/2005/8/layout/vList5"/>
-    <dgm:cxn modelId="{0057B518-B658-47B5-A643-E1104FEFFEF2}" srcId="{9F227042-BE84-46CD-9493-6B2CA28AFA36}" destId="{46B7AEE9-7CA4-424D-A940-4DFE3C68384B}" srcOrd="0" destOrd="0" parTransId="{62A46FD8-2DCF-4B80-B55C-5052B7935DA1}" sibTransId="{47ED3736-E7D0-4A81-AE21-B591EFA7CBB8}"/>
-    <dgm:cxn modelId="{82390F25-6F6C-48A6-8FF6-3C5D5AA86FC0}" type="presOf" srcId="{4F6C0CD6-F977-4D6B-9E30-16FBA61D068D}" destId="{0E1A1D33-51CA-41EE-83DE-AC2EAE45C4A6}" srcOrd="0" destOrd="0" presId="urn:microsoft.com/office/officeart/2005/8/layout/vList5"/>
-    <dgm:cxn modelId="{47848211-F8F1-43AE-A223-638F35DC8D2B}" type="presOf" srcId="{279A66D7-184D-4259-9F99-F55F823C96F5}" destId="{4999D31B-B452-463A-ABC3-D972D5D6734A}" srcOrd="0" destOrd="0" presId="urn:microsoft.com/office/officeart/2005/8/layout/vList5"/>
+    <dgm:cxn modelId="{73E39F99-ED7B-4AD2-89EC-53C549948933}" srcId="{9F227042-BE84-46CD-9493-6B2CA28AFA36}" destId="{279A66D7-184D-4259-9F99-F55F823C96F5}" srcOrd="2" destOrd="0" parTransId="{788760EF-D936-4C8F-A5A0-6F721669BCE6}" sibTransId="{A906618F-CEA7-42A5-94D0-A3F0A6E20534}"/>
+    <dgm:cxn modelId="{2F89A9D1-63B6-40F7-84E0-0B3EEF644B3A}" srcId="{9F227042-BE84-46CD-9493-6B2CA28AFA36}" destId="{B97541EE-CF10-4B0D-8C7E-D90E7310A3AC}" srcOrd="1" destOrd="0" parTransId="{0999BAA2-5E5B-4FEF-8C0A-3F44CEF906D3}" sibTransId="{55DCA9E1-3639-443F-B554-D2F35CA9F48E}"/>
     <dgm:cxn modelId="{2C27FCF6-3A0F-4841-B2D2-765BE7DEB9C8}" srcId="{9F227042-BE84-46CD-9493-6B2CA28AFA36}" destId="{4F6C0CD6-F977-4D6B-9E30-16FBA61D068D}" srcOrd="3" destOrd="0" parTransId="{BD1C1766-AAD3-4C2E-A43F-AB2B2D4CDB73}" sibTransId="{AEA4C6B7-9AF1-478A-A422-54AC619DBA7C}"/>
-    <dgm:cxn modelId="{EA2E2011-6BDC-4730-9450-0F0B4C6D1D32}" type="presOf" srcId="{9F227042-BE84-46CD-9493-6B2CA28AFA36}" destId="{AA087025-BE25-4EA0-B525-D44F64E33E50}" srcOrd="0" destOrd="0" presId="urn:microsoft.com/office/officeart/2005/8/layout/vList5"/>
-    <dgm:cxn modelId="{73E39F99-ED7B-4AD2-89EC-53C549948933}" srcId="{9F227042-BE84-46CD-9493-6B2CA28AFA36}" destId="{279A66D7-184D-4259-9F99-F55F823C96F5}" srcOrd="2" destOrd="0" parTransId="{788760EF-D936-4C8F-A5A0-6F721669BCE6}" sibTransId="{A906618F-CEA7-42A5-94D0-A3F0A6E20534}"/>
     <dgm:cxn modelId="{3ADB1FF6-1DEA-4D80-8607-8AF415C7599A}" type="presParOf" srcId="{AA087025-BE25-4EA0-B525-D44F64E33E50}" destId="{B9964CC5-1341-42BC-802E-8A32EDBFBD5C}" srcOrd="0" destOrd="0" presId="urn:microsoft.com/office/officeart/2005/8/layout/vList5"/>
     <dgm:cxn modelId="{CCE4DE04-EA02-4A17-BC4C-BFFB701A47DE}" type="presParOf" srcId="{B9964CC5-1341-42BC-802E-8A32EDBFBD5C}" destId="{A06141EF-D560-4A24-87F8-6F55C23C99B7}" srcOrd="0" destOrd="0" presId="urn:microsoft.com/office/officeart/2005/8/layout/vList5"/>
     <dgm:cxn modelId="{B80EFF70-B5F4-4346-89F0-89E76DE4A93D}" type="presParOf" srcId="{AA087025-BE25-4EA0-B525-D44F64E33E50}" destId="{8EE279FF-EDDB-4EC4-AC76-120A73E9D387}" srcOrd="1" destOrd="0" presId="urn:microsoft.com/office/officeart/2005/8/layout/vList5"/>
@@ -6648,13 +6516,6 @@
         </dgm:presLayoutVars>
       </dgm:prSet>
       <dgm:spPr/>
-      <dgm:t>
-        <a:bodyPr/>
-        <a:lstStyle/>
-        <a:p>
-          <a:endParaRPr lang="en-US"/>
-        </a:p>
-      </dgm:t>
     </dgm:pt>
     <dgm:pt modelId="{E2D29A80-DFF9-42D5-8321-575EC58CC7A6}" type="pres">
       <dgm:prSet presAssocID="{F3919F31-656B-45CE-9B86-3E1BD1068967}" presName="diamond" presStyleLbl="bgShp" presStyleIdx="0" presStyleCnt="1"/>
@@ -6671,13 +6532,6 @@
         </dgm:presLayoutVars>
       </dgm:prSet>
       <dgm:spPr/>
-      <dgm:t>
-        <a:bodyPr/>
-        <a:lstStyle/>
-        <a:p>
-          <a:endParaRPr lang="en-US"/>
-        </a:p>
-      </dgm:t>
     </dgm:pt>
     <dgm:pt modelId="{DC38BAFD-3BF8-4B40-8F7A-81DAB0CC4FB6}" type="pres">
       <dgm:prSet presAssocID="{F3919F31-656B-45CE-9B86-3E1BD1068967}" presName="quad2" presStyleLbl="node1" presStyleIdx="1" presStyleCnt="4" custScaleX="190748" custLinFactNeighborX="50733" custLinFactNeighborY="-320">
@@ -6688,13 +6542,6 @@
         </dgm:presLayoutVars>
       </dgm:prSet>
       <dgm:spPr/>
-      <dgm:t>
-        <a:bodyPr/>
-        <a:lstStyle/>
-        <a:p>
-          <a:endParaRPr lang="en-US"/>
-        </a:p>
-      </dgm:t>
     </dgm:pt>
     <dgm:pt modelId="{D8FA9740-E7D0-417F-A47B-796A16B6EAD4}" type="pres">
       <dgm:prSet presAssocID="{F3919F31-656B-45CE-9B86-3E1BD1068967}" presName="quad3" presStyleLbl="node1" presStyleIdx="2" presStyleCnt="4" custScaleX="190748" custLinFactNeighborX="-46630" custLinFactNeighborY="-920">
@@ -6705,13 +6552,6 @@
         </dgm:presLayoutVars>
       </dgm:prSet>
       <dgm:spPr/>
-      <dgm:t>
-        <a:bodyPr/>
-        <a:lstStyle/>
-        <a:p>
-          <a:endParaRPr lang="en-US"/>
-        </a:p>
-      </dgm:t>
     </dgm:pt>
     <dgm:pt modelId="{D70537A6-6622-4E16-992A-31AB38267826}" type="pres">
       <dgm:prSet presAssocID="{F3919F31-656B-45CE-9B86-3E1BD1068967}" presName="quad4" presStyleLbl="node1" presStyleIdx="3" presStyleCnt="4" custAng="0" custScaleX="190748" custLinFactNeighborX="50733" custLinFactNeighborY="-920">
@@ -6722,24 +6562,17 @@
         </dgm:presLayoutVars>
       </dgm:prSet>
       <dgm:spPr/>
-      <dgm:t>
-        <a:bodyPr/>
-        <a:lstStyle/>
-        <a:p>
-          <a:endParaRPr lang="en-US"/>
-        </a:p>
-      </dgm:t>
     </dgm:pt>
   </dgm:ptLst>
   <dgm:cxnLst>
+    <dgm:cxn modelId="{AB7E9100-E0D6-472F-B095-362DD38D7650}" type="presOf" srcId="{B5529948-A10F-4D1A-8265-35A1E87D50A6}" destId="{D8FA9740-E7D0-417F-A47B-796A16B6EAD4}" srcOrd="0" destOrd="0" presId="urn:microsoft.com/office/officeart/2005/8/layout/matrix3"/>
+    <dgm:cxn modelId="{CD265321-03EA-47B7-BC5B-9B1730AACC3A}" type="presOf" srcId="{F3919F31-656B-45CE-9B86-3E1BD1068967}" destId="{98F078B7-B643-4B8D-99BA-8DF26A930E43}" srcOrd="0" destOrd="0" presId="urn:microsoft.com/office/officeart/2005/8/layout/matrix3"/>
+    <dgm:cxn modelId="{956BF93A-F58F-4F95-8008-0E487918FD39}" srcId="{F3919F31-656B-45CE-9B86-3E1BD1068967}" destId="{B5529948-A10F-4D1A-8265-35A1E87D50A6}" srcOrd="2" destOrd="0" parTransId="{A53E7A9F-E909-45A2-A016-EC52EE0AA342}" sibTransId="{BD87BD78-E3D2-4ECE-B5A6-4B086E81170E}"/>
+    <dgm:cxn modelId="{C1BB4D4E-958E-41A4-8821-D55D43AB17FB}" srcId="{F3919F31-656B-45CE-9B86-3E1BD1068967}" destId="{EFD6E64F-4418-47F2-A3D6-03D9AC667F1D}" srcOrd="0" destOrd="0" parTransId="{41D89E60-4833-44B7-8DBE-EB2ABCF4F219}" sibTransId="{5A132525-99CE-41DD-9A3A-3D05AC51E6EC}"/>
+    <dgm:cxn modelId="{BF7CFC96-7782-413D-B6E2-080B956D11EF}" type="presOf" srcId="{13680809-6901-4E53-9C25-B4B772EEEA62}" destId="{D70537A6-6622-4E16-992A-31AB38267826}" srcOrd="0" destOrd="0" presId="urn:microsoft.com/office/officeart/2005/8/layout/matrix3"/>
+    <dgm:cxn modelId="{B36C96A0-3195-4964-B720-1852D8E47733}" type="presOf" srcId="{EFD6E64F-4418-47F2-A3D6-03D9AC667F1D}" destId="{C14930DF-CE5D-439B-A21A-A81E31A88005}" srcOrd="0" destOrd="0" presId="urn:microsoft.com/office/officeart/2005/8/layout/matrix3"/>
     <dgm:cxn modelId="{2771BAA8-6EC8-4890-B853-D31BAC4C416B}" srcId="{F3919F31-656B-45CE-9B86-3E1BD1068967}" destId="{8554055F-73E9-49A2-8468-78D3A8049BE9}" srcOrd="1" destOrd="0" parTransId="{9B9F7270-6770-4E1A-AD9F-3EF92EEF2A55}" sibTransId="{D42EEB68-3810-4194-9220-AC9B3152C60D}"/>
-    <dgm:cxn modelId="{956BF93A-F58F-4F95-8008-0E487918FD39}" srcId="{F3919F31-656B-45CE-9B86-3E1BD1068967}" destId="{B5529948-A10F-4D1A-8265-35A1E87D50A6}" srcOrd="2" destOrd="0" parTransId="{A53E7A9F-E909-45A2-A016-EC52EE0AA342}" sibTransId="{BD87BD78-E3D2-4ECE-B5A6-4B086E81170E}"/>
-    <dgm:cxn modelId="{B36C96A0-3195-4964-B720-1852D8E47733}" type="presOf" srcId="{EFD6E64F-4418-47F2-A3D6-03D9AC667F1D}" destId="{C14930DF-CE5D-439B-A21A-A81E31A88005}" srcOrd="0" destOrd="0" presId="urn:microsoft.com/office/officeart/2005/8/layout/matrix3"/>
-    <dgm:cxn modelId="{BF7CFC96-7782-413D-B6E2-080B956D11EF}" type="presOf" srcId="{13680809-6901-4E53-9C25-B4B772EEEA62}" destId="{D70537A6-6622-4E16-992A-31AB38267826}" srcOrd="0" destOrd="0" presId="urn:microsoft.com/office/officeart/2005/8/layout/matrix3"/>
-    <dgm:cxn modelId="{AB7E9100-E0D6-472F-B095-362DD38D7650}" type="presOf" srcId="{B5529948-A10F-4D1A-8265-35A1E87D50A6}" destId="{D8FA9740-E7D0-417F-A47B-796A16B6EAD4}" srcOrd="0" destOrd="0" presId="urn:microsoft.com/office/officeart/2005/8/layout/matrix3"/>
     <dgm:cxn modelId="{203CA4B2-FBFC-42A4-9E23-FA54E7898B83}" type="presOf" srcId="{8554055F-73E9-49A2-8468-78D3A8049BE9}" destId="{DC38BAFD-3BF8-4B40-8F7A-81DAB0CC4FB6}" srcOrd="0" destOrd="0" presId="urn:microsoft.com/office/officeart/2005/8/layout/matrix3"/>
-    <dgm:cxn modelId="{C1BB4D4E-958E-41A4-8821-D55D43AB17FB}" srcId="{F3919F31-656B-45CE-9B86-3E1BD1068967}" destId="{EFD6E64F-4418-47F2-A3D6-03D9AC667F1D}" srcOrd="0" destOrd="0" parTransId="{41D89E60-4833-44B7-8DBE-EB2ABCF4F219}" sibTransId="{5A132525-99CE-41DD-9A3A-3D05AC51E6EC}"/>
-    <dgm:cxn modelId="{CD265321-03EA-47B7-BC5B-9B1730AACC3A}" type="presOf" srcId="{F3919F31-656B-45CE-9B86-3E1BD1068967}" destId="{98F078B7-B643-4B8D-99BA-8DF26A930E43}" srcOrd="0" destOrd="0" presId="urn:microsoft.com/office/officeart/2005/8/layout/matrix3"/>
     <dgm:cxn modelId="{D285EFDF-85A3-46E2-A346-FDEC8DE701A1}" srcId="{F3919F31-656B-45CE-9B86-3E1BD1068967}" destId="{13680809-6901-4E53-9C25-B4B772EEEA62}" srcOrd="3" destOrd="0" parTransId="{B5E0A951-B89E-4B96-A32E-A039D8949937}" sibTransId="{782EEAE0-E56C-4168-8CBB-C14BC1ABD9E5}"/>
     <dgm:cxn modelId="{14226DEC-A8A2-4F62-B2C4-CD33E77B3B70}" type="presParOf" srcId="{98F078B7-B643-4B8D-99BA-8DF26A930E43}" destId="{E2D29A80-DFF9-42D5-8321-575EC58CC7A6}" srcOrd="0" destOrd="0" presId="urn:microsoft.com/office/officeart/2005/8/layout/matrix3"/>
     <dgm:cxn modelId="{11662CF4-34E2-42C3-B717-EF6A0209C06E}" type="presParOf" srcId="{98F078B7-B643-4B8D-99BA-8DF26A930E43}" destId="{C14930DF-CE5D-439B-A21A-A81E31A88005}" srcOrd="1" destOrd="0" presId="urn:microsoft.com/office/officeart/2005/8/layout/matrix3"/>
@@ -6779,7 +6612,7 @@
         <a:lstStyle/>
         <a:p>
           <a:r>
-            <a:rPr lang="en-US"/>
+            <a:rPr lang="en-US" dirty="0"/>
             <a:t>POJO</a:t>
           </a:r>
         </a:p>
@@ -6815,7 +6648,7 @@
         <a:lstStyle/>
         <a:p>
           <a:r>
-            <a:rPr lang="en-US"/>
+            <a:rPr lang="en-US" dirty="0"/>
             <a:t>Observable</a:t>
           </a:r>
         </a:p>
@@ -6851,7 +6684,7 @@
         <a:lstStyle/>
         <a:p>
           <a:r>
-            <a:rPr lang="en-US"/>
+            <a:rPr lang="en-US" dirty="0"/>
             <a:t>Observable Array</a:t>
           </a:r>
         </a:p>
@@ -6887,7 +6720,7 @@
         <a:lstStyle/>
         <a:p>
           <a:r>
-            <a:rPr lang="en-US"/>
+            <a:rPr lang="en-US" dirty="0"/>
             <a:t>Event</a:t>
           </a:r>
         </a:p>
@@ -6924,13 +6757,6 @@
         </dgm:presLayoutVars>
       </dgm:prSet>
       <dgm:spPr/>
-      <dgm:t>
-        <a:bodyPr/>
-        <a:lstStyle/>
-        <a:p>
-          <a:endParaRPr lang="en-US"/>
-        </a:p>
-      </dgm:t>
     </dgm:pt>
     <dgm:pt modelId="{3E8B580F-BEB5-4E67-A9FE-BCD93B4DB31D}" type="pres">
       <dgm:prSet presAssocID="{EEC2D4C4-64CC-4DDC-986C-47FCC7550309}" presName="linNode" presStyleCnt="0"/>
@@ -6944,13 +6770,6 @@
         </dgm:presLayoutVars>
       </dgm:prSet>
       <dgm:spPr/>
-      <dgm:t>
-        <a:bodyPr/>
-        <a:lstStyle/>
-        <a:p>
-          <a:endParaRPr lang="en-US"/>
-        </a:p>
-      </dgm:t>
     </dgm:pt>
     <dgm:pt modelId="{07431C1C-803B-41AD-9BF1-52FA733EA293}" type="pres">
       <dgm:prSet presAssocID="{F0EA6119-5F1F-48D5-B34B-B58A07B499CE}" presName="sp" presStyleCnt="0"/>
@@ -6968,13 +6787,6 @@
         </dgm:presLayoutVars>
       </dgm:prSet>
       <dgm:spPr/>
-      <dgm:t>
-        <a:bodyPr/>
-        <a:lstStyle/>
-        <a:p>
-          <a:endParaRPr lang="en-US"/>
-        </a:p>
-      </dgm:t>
     </dgm:pt>
     <dgm:pt modelId="{4FAB2351-D0BF-486A-8090-CEDBC8B53089}" type="pres">
       <dgm:prSet presAssocID="{4107BB3A-57C9-49B5-A6F3-327F74BEE72D}" presName="sp" presStyleCnt="0"/>
@@ -6992,13 +6804,6 @@
         </dgm:presLayoutVars>
       </dgm:prSet>
       <dgm:spPr/>
-      <dgm:t>
-        <a:bodyPr/>
-        <a:lstStyle/>
-        <a:p>
-          <a:endParaRPr lang="en-US"/>
-        </a:p>
-      </dgm:t>
     </dgm:pt>
     <dgm:pt modelId="{2F9DD310-457C-4EFA-8690-F3554A5C506D}" type="pres">
       <dgm:prSet presAssocID="{1B354470-6725-48DD-8C5C-833C31641B4F}" presName="sp" presStyleCnt="0"/>
@@ -7016,25 +6821,18 @@
         </dgm:presLayoutVars>
       </dgm:prSet>
       <dgm:spPr/>
-      <dgm:t>
-        <a:bodyPr/>
-        <a:lstStyle/>
-        <a:p>
-          <a:endParaRPr lang="en-US"/>
-        </a:p>
-      </dgm:t>
     </dgm:pt>
   </dgm:ptLst>
   <dgm:cxnLst>
-    <dgm:cxn modelId="{6D7693B4-B4BE-4C08-B03E-DD803887F843}" type="presOf" srcId="{EEC2D4C4-64CC-4DDC-986C-47FCC7550309}" destId="{A8DF4B1C-4053-48A7-9B84-4338E57AD5CF}" srcOrd="0" destOrd="0" presId="urn:microsoft.com/office/officeart/2005/8/layout/vList5"/>
-    <dgm:cxn modelId="{30A3AFAC-6D78-4DA3-AC39-8421781A9761}" srcId="{11BB5DA0-2EAA-444C-8DEC-33C3A07774E9}" destId="{F398DC7A-3456-4428-BA5C-C992C5795990}" srcOrd="1" destOrd="0" parTransId="{DFF2DE61-4B4C-4B6E-B9BC-DF246EE78BE5}" sibTransId="{4107BB3A-57C9-49B5-A6F3-327F74BEE72D}"/>
+    <dgm:cxn modelId="{81402923-C557-4186-94AF-BDE7FDE650CC}" type="presOf" srcId="{F15EF471-E474-407B-AAC2-CC5B5DA7FA4A}" destId="{B93882A3-6F74-47CE-B702-F959B885BC40}" srcOrd="0" destOrd="0" presId="urn:microsoft.com/office/officeart/2005/8/layout/vList5"/>
+    <dgm:cxn modelId="{C7A5372B-95B0-4F57-BF32-3CE95C8EF9FB}" srcId="{11BB5DA0-2EAA-444C-8DEC-33C3A07774E9}" destId="{F15EF471-E474-407B-AAC2-CC5B5DA7FA4A}" srcOrd="2" destOrd="0" parTransId="{257987B9-1BC7-4162-8741-36EF7002CFED}" sibTransId="{1B354470-6725-48DD-8C5C-833C31641B4F}"/>
+    <dgm:cxn modelId="{933E3E38-DE03-4EC4-9EE6-B534A535A8FD}" type="presOf" srcId="{F398DC7A-3456-4428-BA5C-C992C5795990}" destId="{3CEF0401-9E65-4842-B2DB-939F5A9F66A8}" srcOrd="0" destOrd="0" presId="urn:microsoft.com/office/officeart/2005/8/layout/vList5"/>
     <dgm:cxn modelId="{DC9EA65B-774E-4C70-A8C0-81B56E470069}" srcId="{11BB5DA0-2EAA-444C-8DEC-33C3A07774E9}" destId="{49F653CB-9B78-40E1-9E2F-A62B1FF9053E}" srcOrd="3" destOrd="0" parTransId="{EF6B40A4-9482-4147-A704-43F0FD42EDBE}" sibTransId="{4397AF30-12C3-40C7-A751-CD6DCC926839}"/>
     <dgm:cxn modelId="{39E52362-FA60-4667-9F77-A09E0B941DC5}" type="presOf" srcId="{11BB5DA0-2EAA-444C-8DEC-33C3A07774E9}" destId="{3B8FB534-029F-4022-99F3-CCB435EDA3B6}" srcOrd="0" destOrd="0" presId="urn:microsoft.com/office/officeart/2005/8/layout/vList5"/>
-    <dgm:cxn modelId="{C7A5372B-95B0-4F57-BF32-3CE95C8EF9FB}" srcId="{11BB5DA0-2EAA-444C-8DEC-33C3A07774E9}" destId="{F15EF471-E474-407B-AAC2-CC5B5DA7FA4A}" srcOrd="2" destOrd="0" parTransId="{257987B9-1BC7-4162-8741-36EF7002CFED}" sibTransId="{1B354470-6725-48DD-8C5C-833C31641B4F}"/>
     <dgm:cxn modelId="{2BD4F99E-6E6E-4B76-97CD-4F2EBD70ED3E}" type="presOf" srcId="{49F653CB-9B78-40E1-9E2F-A62B1FF9053E}" destId="{FD3875B4-3BFB-422B-90BA-FCCC6138EB35}" srcOrd="0" destOrd="0" presId="urn:microsoft.com/office/officeart/2005/8/layout/vList5"/>
-    <dgm:cxn modelId="{933E3E38-DE03-4EC4-9EE6-B534A535A8FD}" type="presOf" srcId="{F398DC7A-3456-4428-BA5C-C992C5795990}" destId="{3CEF0401-9E65-4842-B2DB-939F5A9F66A8}" srcOrd="0" destOrd="0" presId="urn:microsoft.com/office/officeart/2005/8/layout/vList5"/>
-    <dgm:cxn modelId="{81402923-C557-4186-94AF-BDE7FDE650CC}" type="presOf" srcId="{F15EF471-E474-407B-AAC2-CC5B5DA7FA4A}" destId="{B93882A3-6F74-47CE-B702-F959B885BC40}" srcOrd="0" destOrd="0" presId="urn:microsoft.com/office/officeart/2005/8/layout/vList5"/>
     <dgm:cxn modelId="{D0B686AA-F614-47A4-BD6F-6B215EC2CC37}" srcId="{11BB5DA0-2EAA-444C-8DEC-33C3A07774E9}" destId="{EEC2D4C4-64CC-4DDC-986C-47FCC7550309}" srcOrd="0" destOrd="0" parTransId="{0A12EDE4-034F-40DB-80CF-6C686275AE77}" sibTransId="{F0EA6119-5F1F-48D5-B34B-B58A07B499CE}"/>
+    <dgm:cxn modelId="{30A3AFAC-6D78-4DA3-AC39-8421781A9761}" srcId="{11BB5DA0-2EAA-444C-8DEC-33C3A07774E9}" destId="{F398DC7A-3456-4428-BA5C-C992C5795990}" srcOrd="1" destOrd="0" parTransId="{DFF2DE61-4B4C-4B6E-B9BC-DF246EE78BE5}" sibTransId="{4107BB3A-57C9-49B5-A6F3-327F74BEE72D}"/>
+    <dgm:cxn modelId="{6D7693B4-B4BE-4C08-B03E-DD803887F843}" type="presOf" srcId="{EEC2D4C4-64CC-4DDC-986C-47FCC7550309}" destId="{A8DF4B1C-4053-48A7-9B84-4338E57AD5CF}" srcOrd="0" destOrd="0" presId="urn:microsoft.com/office/officeart/2005/8/layout/vList5"/>
     <dgm:cxn modelId="{03FC6DD2-CA09-4F25-9278-99477CFEFA47}" type="presParOf" srcId="{3B8FB534-029F-4022-99F3-CCB435EDA3B6}" destId="{3E8B580F-BEB5-4E67-A9FE-BCD93B4DB31D}" srcOrd="0" destOrd="0" presId="urn:microsoft.com/office/officeart/2005/8/layout/vList5"/>
     <dgm:cxn modelId="{5D760256-E297-4B58-B234-F8B8F332C549}" type="presParOf" srcId="{3E8B580F-BEB5-4E67-A9FE-BCD93B4DB31D}" destId="{A8DF4B1C-4053-48A7-9B84-4338E57AD5CF}" srcOrd="0" destOrd="0" presId="urn:microsoft.com/office/officeart/2005/8/layout/vList5"/>
     <dgm:cxn modelId="{1FFA9430-329D-49C2-A1DA-B25472FB524F}" type="presParOf" srcId="{3B8FB534-029F-4022-99F3-CCB435EDA3B6}" destId="{07431C1C-803B-41AD-9BF1-52FA733EA293}" srcOrd="1" destOrd="0" presId="urn:microsoft.com/office/officeart/2005/8/layout/vList5"/>
@@ -7086,10 +6884,9 @@
         <a:p>
           <a:pPr rtl="0"/>
           <a:r>
-            <a:rPr lang="en-US" dirty="0" smtClean="0"/>
+            <a:rPr lang="en-US" dirty="0"/>
             <a:t>Computed Observables</a:t>
           </a:r>
-          <a:endParaRPr lang="en-US" dirty="0"/>
         </a:p>
       </dgm:t>
     </dgm:pt>
@@ -7130,10 +6927,9 @@
         <a:p>
           <a:pPr rtl="0"/>
           <a:r>
-            <a:rPr lang="en-US" smtClean="0"/>
+            <a:rPr lang="en-US" dirty="0"/>
             <a:t>Custom Bindings</a:t>
           </a:r>
-          <a:endParaRPr lang="en-US"/>
         </a:p>
       </dgm:t>
     </dgm:pt>
@@ -7167,13 +6963,6 @@
         </dgm:presLayoutVars>
       </dgm:prSet>
       <dgm:spPr/>
-      <dgm:t>
-        <a:bodyPr/>
-        <a:lstStyle/>
-        <a:p>
-          <a:endParaRPr lang="en-US"/>
-        </a:p>
-      </dgm:t>
     </dgm:pt>
     <dgm:pt modelId="{A2C2B981-E0B5-4A10-B834-A5039EBB3821}" type="pres">
       <dgm:prSet presAssocID="{FCD83A0E-96AE-4F6F-A59A-0123F7BCB6A3}" presName="parentText" presStyleLbl="node1" presStyleIdx="0" presStyleCnt="2">
@@ -7183,13 +6972,6 @@
         </dgm:presLayoutVars>
       </dgm:prSet>
       <dgm:spPr/>
-      <dgm:t>
-        <a:bodyPr/>
-        <a:lstStyle/>
-        <a:p>
-          <a:endParaRPr lang="en-US"/>
-        </a:p>
-      </dgm:t>
     </dgm:pt>
     <dgm:pt modelId="{06791533-B5FC-46DA-B2C6-A780BAB1BA2A}" type="pres">
       <dgm:prSet presAssocID="{B1877552-97E0-492A-A712-68D702A8852A}" presName="spacer" presStyleCnt="0"/>
@@ -7203,21 +6985,14 @@
         </dgm:presLayoutVars>
       </dgm:prSet>
       <dgm:spPr/>
-      <dgm:t>
-        <a:bodyPr/>
-        <a:lstStyle/>
-        <a:p>
-          <a:endParaRPr lang="en-US"/>
-        </a:p>
-      </dgm:t>
     </dgm:pt>
   </dgm:ptLst>
   <dgm:cxnLst>
+    <dgm:cxn modelId="{155C811B-E1F7-405A-8646-282014A536FC}" type="presOf" srcId="{5B500E14-1286-49CA-B9F1-0C8472D472A4}" destId="{9A05EC56-1CCA-4CFC-8542-E750A70D2D21}" srcOrd="0" destOrd="0" presId="urn:microsoft.com/office/officeart/2005/8/layout/vList2"/>
+    <dgm:cxn modelId="{EAAC6D4C-8E23-4B21-8F2B-FA36347760CA}" type="presOf" srcId="{FCD83A0E-96AE-4F6F-A59A-0123F7BCB6A3}" destId="{A2C2B981-E0B5-4A10-B834-A5039EBB3821}" srcOrd="0" destOrd="0" presId="urn:microsoft.com/office/officeart/2005/8/layout/vList2"/>
+    <dgm:cxn modelId="{D1AE326E-BFC3-4CA0-B45A-FEED2BD3F779}" srcId="{350D4ADE-E7E3-4A77-A19F-05F1072293CF}" destId="{FCD83A0E-96AE-4F6F-A59A-0123F7BCB6A3}" srcOrd="0" destOrd="0" parTransId="{A4F5CB9F-6891-4825-BBF9-9B7F1C4430F1}" sibTransId="{B1877552-97E0-492A-A712-68D702A8852A}"/>
     <dgm:cxn modelId="{ADE3887C-217E-4D54-888A-827290CE7353}" type="presOf" srcId="{350D4ADE-E7E3-4A77-A19F-05F1072293CF}" destId="{482A6445-4999-487B-8A05-CD710E387A3C}" srcOrd="0" destOrd="0" presId="urn:microsoft.com/office/officeart/2005/8/layout/vList2"/>
     <dgm:cxn modelId="{908523BD-66CE-43CB-8700-E2B3F9266359}" srcId="{350D4ADE-E7E3-4A77-A19F-05F1072293CF}" destId="{5B500E14-1286-49CA-B9F1-0C8472D472A4}" srcOrd="1" destOrd="0" parTransId="{76A9E659-FE77-4345-9BE9-69A5290379BB}" sibTransId="{FBA63604-497D-43E6-9D4B-2E2A900BA6C9}"/>
-    <dgm:cxn modelId="{EAAC6D4C-8E23-4B21-8F2B-FA36347760CA}" type="presOf" srcId="{FCD83A0E-96AE-4F6F-A59A-0123F7BCB6A3}" destId="{A2C2B981-E0B5-4A10-B834-A5039EBB3821}" srcOrd="0" destOrd="0" presId="urn:microsoft.com/office/officeart/2005/8/layout/vList2"/>
-    <dgm:cxn modelId="{D1AE326E-BFC3-4CA0-B45A-FEED2BD3F779}" srcId="{350D4ADE-E7E3-4A77-A19F-05F1072293CF}" destId="{FCD83A0E-96AE-4F6F-A59A-0123F7BCB6A3}" srcOrd="0" destOrd="0" parTransId="{A4F5CB9F-6891-4825-BBF9-9B7F1C4430F1}" sibTransId="{B1877552-97E0-492A-A712-68D702A8852A}"/>
-    <dgm:cxn modelId="{155C811B-E1F7-405A-8646-282014A536FC}" type="presOf" srcId="{5B500E14-1286-49CA-B9F1-0C8472D472A4}" destId="{9A05EC56-1CCA-4CFC-8542-E750A70D2D21}" srcOrd="0" destOrd="0" presId="urn:microsoft.com/office/officeart/2005/8/layout/vList2"/>
     <dgm:cxn modelId="{F72CBA5B-1ADE-45DF-872D-533EB0CF17A1}" type="presParOf" srcId="{482A6445-4999-487B-8A05-CD710E387A3C}" destId="{A2C2B981-E0B5-4A10-B834-A5039EBB3821}" srcOrd="0" destOrd="0" presId="urn:microsoft.com/office/officeart/2005/8/layout/vList2"/>
     <dgm:cxn modelId="{33AB4E4A-2F55-422A-A107-5A45D3FAF278}" type="presParOf" srcId="{482A6445-4999-487B-8A05-CD710E387A3C}" destId="{06791533-B5FC-46DA-B2C6-A780BAB1BA2A}" srcOrd="1" destOrd="0" presId="urn:microsoft.com/office/officeart/2005/8/layout/vList2"/>
     <dgm:cxn modelId="{E766DF27-2699-4AD3-818A-CFAFA18C2312}" type="presParOf" srcId="{482A6445-4999-487B-8A05-CD710E387A3C}" destId="{9A05EC56-1CCA-4CFC-8542-E750A70D2D21}" srcOrd="2" destOrd="0" presId="urn:microsoft.com/office/officeart/2005/8/layout/vList2"/>
@@ -7292,7 +7067,7 @@
         </a:bodyPr>
         <a:lstStyle/>
         <a:p>
-          <a:pPr lvl="0" algn="l" defTabSz="2178050">
+          <a:pPr marL="0" lvl="0" indent="0" algn="l" defTabSz="2178050">
             <a:lnSpc>
               <a:spcPct val="90000"/>
             </a:lnSpc>
@@ -7302,12 +7077,13 @@
             <a:spcAft>
               <a:spcPct val="35000"/>
             </a:spcAft>
+            <a:buNone/>
           </a:pPr>
           <a:r>
-            <a:rPr lang="en-US" sz="4900" b="1" kern="1200"/>
+            <a:rPr lang="en-US" sz="4900" b="1" kern="1200" dirty="0"/>
             <a:t>Talk a little about Typescript</a:t>
           </a:r>
-          <a:endParaRPr lang="en-US" sz="4900" kern="1200"/>
+          <a:endParaRPr lang="en-US" sz="4900" kern="1200" dirty="0"/>
         </a:p>
       </dsp:txBody>
       <dsp:txXfrm>
@@ -7365,7 +7141,7 @@
         </a:bodyPr>
         <a:lstStyle/>
         <a:p>
-          <a:pPr lvl="0" algn="l" defTabSz="2178050">
+          <a:pPr marL="0" lvl="0" indent="0" algn="l" defTabSz="2178050">
             <a:lnSpc>
               <a:spcPct val="90000"/>
             </a:lnSpc>
@@ -7375,12 +7151,13 @@
             <a:spcAft>
               <a:spcPct val="35000"/>
             </a:spcAft>
+            <a:buNone/>
           </a:pPr>
           <a:r>
-            <a:rPr lang="en-US" sz="4900" b="1" kern="1200"/>
+            <a:rPr lang="en-US" sz="4900" b="1" kern="1200" dirty="0"/>
             <a:t>Talk a little about Knockout</a:t>
           </a:r>
-          <a:endParaRPr lang="en-US" sz="4900" kern="1200"/>
+          <a:endParaRPr lang="en-US" sz="4900" kern="1200" dirty="0"/>
         </a:p>
       </dsp:txBody>
       <dsp:txXfrm>
@@ -7443,7 +7220,7 @@
         </a:bodyPr>
         <a:lstStyle/>
         <a:p>
-          <a:pPr lvl="0" algn="l" defTabSz="2178050">
+          <a:pPr marL="0" lvl="0" indent="0" algn="l" defTabSz="2178050">
             <a:lnSpc>
               <a:spcPct val="90000"/>
             </a:lnSpc>
@@ -7453,12 +7230,13 @@
             <a:spcAft>
               <a:spcPct val="35000"/>
             </a:spcAft>
+            <a:buNone/>
           </a:pPr>
           <a:r>
-            <a:rPr lang="en-US" sz="4900" b="1" kern="1200"/>
+            <a:rPr lang="en-US" sz="4900" b="1" kern="1200" dirty="0"/>
             <a:t>Demo using them in SharePoint</a:t>
           </a:r>
-          <a:endParaRPr lang="en-US" sz="4900" kern="1200"/>
+          <a:endParaRPr lang="en-US" sz="4900" kern="1200" dirty="0"/>
         </a:p>
       </dsp:txBody>
       <dsp:txXfrm>
@@ -7533,7 +7311,7 @@
         </a:bodyPr>
         <a:lstStyle/>
         <a:p>
-          <a:pPr lvl="0" algn="ctr" defTabSz="1733550" rtl="0">
+          <a:pPr marL="0" lvl="0" indent="0" algn="ctr" defTabSz="1733550" rtl="0">
             <a:lnSpc>
               <a:spcPct val="90000"/>
             </a:lnSpc>
@@ -7543,6 +7321,7 @@
             <a:spcAft>
               <a:spcPct val="35000"/>
             </a:spcAft>
+            <a:buNone/>
           </a:pPr>
           <a:r>
             <a:rPr lang="en-US" sz="3900" kern="1200" dirty="0"/>
@@ -7610,7 +7389,7 @@
         </a:bodyPr>
         <a:lstStyle/>
         <a:p>
-          <a:pPr lvl="0" algn="ctr" defTabSz="1733550" rtl="0">
+          <a:pPr marL="0" lvl="0" indent="0" algn="ctr" defTabSz="1733550" rtl="0">
             <a:lnSpc>
               <a:spcPct val="90000"/>
             </a:lnSpc>
@@ -7620,6 +7399,7 @@
             <a:spcAft>
               <a:spcPct val="35000"/>
             </a:spcAft>
+            <a:buNone/>
           </a:pPr>
           <a:r>
             <a:rPr lang="en-US" sz="3900" kern="1200" dirty="0"/>
@@ -7687,7 +7467,7 @@
         </a:bodyPr>
         <a:lstStyle/>
         <a:p>
-          <a:pPr lvl="0" algn="ctr" defTabSz="1733550" rtl="0">
+          <a:pPr marL="0" lvl="0" indent="0" algn="ctr" defTabSz="1733550" rtl="0">
             <a:lnSpc>
               <a:spcPct val="90000"/>
             </a:lnSpc>
@@ -7697,6 +7477,7 @@
             <a:spcAft>
               <a:spcPct val="35000"/>
             </a:spcAft>
+            <a:buNone/>
           </a:pPr>
           <a:r>
             <a:rPr lang="en-US" sz="3900" kern="1200" dirty="0"/>
@@ -7803,7 +7584,7 @@
         </a:bodyPr>
         <a:lstStyle/>
         <a:p>
-          <a:pPr lvl="0" algn="ctr" defTabSz="1377950" rtl="0">
+          <a:pPr marL="0" lvl="0" indent="0" algn="ctr" defTabSz="1377950" rtl="0">
             <a:lnSpc>
               <a:spcPct val="90000"/>
             </a:lnSpc>
@@ -7813,6 +7594,7 @@
             <a:spcAft>
               <a:spcPct val="35000"/>
             </a:spcAft>
+            <a:buNone/>
           </a:pPr>
           <a:r>
             <a:rPr lang="en-US" sz="3100" kern="1200" dirty="0"/>
@@ -7878,7 +7660,7 @@
         </a:bodyPr>
         <a:lstStyle/>
         <a:p>
-          <a:pPr lvl="0" algn="ctr" defTabSz="1377950" rtl="0">
+          <a:pPr marL="0" lvl="0" indent="0" algn="ctr" defTabSz="1377950" rtl="0">
             <a:lnSpc>
               <a:spcPct val="90000"/>
             </a:lnSpc>
@@ -7888,6 +7670,7 @@
             <a:spcAft>
               <a:spcPct val="35000"/>
             </a:spcAft>
+            <a:buNone/>
           </a:pPr>
           <a:r>
             <a:rPr lang="en-US" sz="3100" kern="1200" dirty="0"/>
@@ -7950,7 +7733,7 @@
         </a:bodyPr>
         <a:lstStyle/>
         <a:p>
-          <a:pPr lvl="0" algn="ctr" defTabSz="1377950" rtl="0">
+          <a:pPr marL="0" lvl="0" indent="0" algn="ctr" defTabSz="1377950" rtl="0">
             <a:lnSpc>
               <a:spcPct val="90000"/>
             </a:lnSpc>
@@ -7960,6 +7743,7 @@
             <a:spcAft>
               <a:spcPct val="35000"/>
             </a:spcAft>
+            <a:buNone/>
           </a:pPr>
           <a:r>
             <a:rPr lang="en-US" sz="3100" kern="1200" dirty="0"/>
@@ -8024,7 +7808,7 @@
         </a:bodyPr>
         <a:lstStyle/>
         <a:p>
-          <a:pPr lvl="0" algn="ctr" defTabSz="1333500" rtl="0">
+          <a:pPr marL="0" lvl="0" indent="0" algn="ctr" defTabSz="1333500" rtl="0">
             <a:lnSpc>
               <a:spcPct val="90000"/>
             </a:lnSpc>
@@ -8034,6 +7818,7 @@
             <a:spcAft>
               <a:spcPct val="35000"/>
             </a:spcAft>
+            <a:buNone/>
           </a:pPr>
           <a:r>
             <a:rPr lang="en-US" sz="3000" kern="1200" dirty="0"/>
@@ -8113,7 +7898,7 @@
         </a:bodyPr>
         <a:lstStyle/>
         <a:p>
-          <a:pPr lvl="0" algn="ctr" defTabSz="1111250" rtl="0">
+          <a:pPr marL="0" lvl="0" indent="0" algn="ctr" defTabSz="1111250" rtl="0">
             <a:lnSpc>
               <a:spcPct val="90000"/>
             </a:lnSpc>
@@ -8123,6 +7908,7 @@
             <a:spcAft>
               <a:spcPct val="35000"/>
             </a:spcAft>
+            <a:buNone/>
           </a:pPr>
           <a:r>
             <a:rPr lang="en-US" sz="2500" kern="1200" dirty="0"/>
@@ -8190,7 +7976,7 @@
         </a:bodyPr>
         <a:lstStyle/>
         <a:p>
-          <a:pPr lvl="0" algn="ctr" defTabSz="1111250" rtl="0">
+          <a:pPr marL="0" lvl="0" indent="0" algn="ctr" defTabSz="1111250" rtl="0">
             <a:lnSpc>
               <a:spcPct val="90000"/>
             </a:lnSpc>
@@ -8200,9 +7986,10 @@
             <a:spcAft>
               <a:spcPct val="35000"/>
             </a:spcAft>
+            <a:buNone/>
           </a:pPr>
           <a:r>
-            <a:rPr lang="en-US" sz="2500" kern="1200"/>
+            <a:rPr lang="en-US" sz="2500" kern="1200" dirty="0"/>
             <a:t>Eases the creation of rich and responsive web sites</a:t>
           </a:r>
         </a:p>
@@ -8267,7 +8054,7 @@
         </a:bodyPr>
         <a:lstStyle/>
         <a:p>
-          <a:pPr lvl="0" algn="ctr" defTabSz="1111250" rtl="0">
+          <a:pPr marL="0" lvl="0" indent="0" algn="ctr" defTabSz="1111250" rtl="0">
             <a:lnSpc>
               <a:spcPct val="90000"/>
             </a:lnSpc>
@@ -8277,6 +8064,7 @@
             <a:spcAft>
               <a:spcPct val="35000"/>
             </a:spcAft>
+            <a:buNone/>
           </a:pPr>
           <a:r>
             <a:rPr lang="en-US" sz="2500" kern="1200" dirty="0"/>
@@ -8344,7 +8132,7 @@
         </a:bodyPr>
         <a:lstStyle/>
         <a:p>
-          <a:pPr lvl="0" algn="ctr" defTabSz="1111250" rtl="0">
+          <a:pPr marL="0" lvl="0" indent="0" algn="ctr" defTabSz="1111250" rtl="0">
             <a:lnSpc>
               <a:spcPct val="90000"/>
             </a:lnSpc>
@@ -8354,18 +8142,11 @@
             <a:spcAft>
               <a:spcPct val="35000"/>
             </a:spcAft>
+            <a:buNone/>
           </a:pPr>
           <a:r>
             <a:rPr lang="en-US" sz="2500" kern="1200" dirty="0"/>
-            <a:t>Based on the Model View </a:t>
-          </a:r>
-          <a:r>
-            <a:rPr lang="en-US" sz="2500" kern="1200" dirty="0" err="1"/>
-            <a:t>ViewModel</a:t>
-          </a:r>
-          <a:r>
-            <a:rPr lang="en-US" sz="2500" kern="1200" dirty="0"/>
-            <a:t> (MVVM) pattern</a:t>
+            <a:t>Based on the Model View ViewModel (MVVM) pattern</a:t>
           </a:r>
         </a:p>
       </dsp:txBody>
@@ -8468,7 +8249,7 @@
         </a:bodyPr>
         <a:lstStyle/>
         <a:p>
-          <a:pPr lvl="0" algn="ctr" defTabSz="1200150" rtl="0">
+          <a:pPr marL="0" lvl="0" indent="0" algn="ctr" defTabSz="1200150" rtl="0">
             <a:lnSpc>
               <a:spcPct val="90000"/>
             </a:lnSpc>
@@ -8478,6 +8259,7 @@
             <a:spcAft>
               <a:spcPct val="35000"/>
             </a:spcAft>
+            <a:buNone/>
           </a:pPr>
           <a:r>
             <a:rPr lang="en-US" sz="2700" kern="1200" dirty="0"/>
@@ -8543,7 +8325,7 @@
         </a:bodyPr>
         <a:lstStyle/>
         <a:p>
-          <a:pPr lvl="0" algn="ctr" defTabSz="1155700" rtl="0">
+          <a:pPr marL="0" lvl="0" indent="0" algn="ctr" defTabSz="1155700" rtl="0">
             <a:lnSpc>
               <a:spcPct val="90000"/>
             </a:lnSpc>
@@ -8553,6 +8335,7 @@
             <a:spcAft>
               <a:spcPct val="35000"/>
             </a:spcAft>
+            <a:buNone/>
           </a:pPr>
           <a:r>
             <a:rPr lang="en-US" sz="2600" kern="1200" dirty="0"/>
@@ -8615,7 +8398,7 @@
         </a:bodyPr>
         <a:lstStyle/>
         <a:p>
-          <a:pPr lvl="0" algn="ctr" defTabSz="1111250" rtl="0">
+          <a:pPr marL="0" lvl="0" indent="0" algn="ctr" defTabSz="1111250" rtl="0">
             <a:lnSpc>
               <a:spcPct val="90000"/>
             </a:lnSpc>
@@ -8625,6 +8408,7 @@
             <a:spcAft>
               <a:spcPct val="35000"/>
             </a:spcAft>
+            <a:buNone/>
           </a:pPr>
           <a:r>
             <a:rPr lang="en-US" sz="2500" kern="1200" dirty="0"/>
@@ -8689,7 +8473,7 @@
         </a:bodyPr>
         <a:lstStyle/>
         <a:p>
-          <a:pPr lvl="0" algn="ctr" defTabSz="1111250" rtl="0">
+          <a:pPr marL="0" lvl="0" indent="0" algn="ctr" defTabSz="1111250" rtl="0">
             <a:lnSpc>
               <a:spcPct val="90000"/>
             </a:lnSpc>
@@ -8699,6 +8483,7 @@
             <a:spcAft>
               <a:spcPct val="35000"/>
             </a:spcAft>
+            <a:buNone/>
           </a:pPr>
           <a:r>
             <a:rPr lang="en-US" sz="2500" kern="1200" dirty="0"/>
@@ -8778,7 +8563,7 @@
         </a:bodyPr>
         <a:lstStyle/>
         <a:p>
-          <a:pPr lvl="0" algn="ctr" defTabSz="1689100">
+          <a:pPr marL="0" lvl="0" indent="0" algn="ctr" defTabSz="1689100">
             <a:lnSpc>
               <a:spcPct val="90000"/>
             </a:lnSpc>
@@ -8788,9 +8573,10 @@
             <a:spcAft>
               <a:spcPct val="35000"/>
             </a:spcAft>
+            <a:buNone/>
           </a:pPr>
           <a:r>
-            <a:rPr lang="en-US" sz="3800" kern="1200"/>
+            <a:rPr lang="en-US" sz="3800" kern="1200" dirty="0"/>
             <a:t>POJO</a:t>
           </a:r>
         </a:p>
@@ -8855,7 +8641,7 @@
         </a:bodyPr>
         <a:lstStyle/>
         <a:p>
-          <a:pPr lvl="0" algn="ctr" defTabSz="1689100">
+          <a:pPr marL="0" lvl="0" indent="0" algn="ctr" defTabSz="1689100">
             <a:lnSpc>
               <a:spcPct val="90000"/>
             </a:lnSpc>
@@ -8865,9 +8651,10 @@
             <a:spcAft>
               <a:spcPct val="35000"/>
             </a:spcAft>
+            <a:buNone/>
           </a:pPr>
           <a:r>
-            <a:rPr lang="en-US" sz="3800" kern="1200"/>
+            <a:rPr lang="en-US" sz="3800" kern="1200" dirty="0"/>
             <a:t>Observable</a:t>
           </a:r>
         </a:p>
@@ -8932,7 +8719,7 @@
         </a:bodyPr>
         <a:lstStyle/>
         <a:p>
-          <a:pPr lvl="0" algn="ctr" defTabSz="1689100">
+          <a:pPr marL="0" lvl="0" indent="0" algn="ctr" defTabSz="1689100">
             <a:lnSpc>
               <a:spcPct val="90000"/>
             </a:lnSpc>
@@ -8942,9 +8729,10 @@
             <a:spcAft>
               <a:spcPct val="35000"/>
             </a:spcAft>
+            <a:buNone/>
           </a:pPr>
           <a:r>
-            <a:rPr lang="en-US" sz="3800" kern="1200"/>
+            <a:rPr lang="en-US" sz="3800" kern="1200" dirty="0"/>
             <a:t>Observable Array</a:t>
           </a:r>
         </a:p>
@@ -9009,7 +8797,7 @@
         </a:bodyPr>
         <a:lstStyle/>
         <a:p>
-          <a:pPr lvl="0" algn="ctr" defTabSz="1689100">
+          <a:pPr marL="0" lvl="0" indent="0" algn="ctr" defTabSz="1689100">
             <a:lnSpc>
               <a:spcPct val="90000"/>
             </a:lnSpc>
@@ -9019,9 +8807,10 @@
             <a:spcAft>
               <a:spcPct val="35000"/>
             </a:spcAft>
+            <a:buNone/>
           </a:pPr>
           <a:r>
-            <a:rPr lang="en-US" sz="3800" kern="1200"/>
+            <a:rPr lang="en-US" sz="3800" kern="1200" dirty="0"/>
             <a:t>Event</a:t>
           </a:r>
         </a:p>
@@ -9043,6 +8832,156 @@
       <dsp:cNvGrpSpPr/>
     </dsp:nvGrpSpPr>
     <dsp:grpSpPr/>
+    <dsp:sp modelId="{A2C2B981-E0B5-4A10-B834-A5039EBB3821}">
+      <dsp:nvSpPr>
+        <dsp:cNvPr id="0" name=""/>
+        <dsp:cNvSpPr/>
+      </dsp:nvSpPr>
+      <dsp:spPr>
+        <a:xfrm>
+          <a:off x="0" y="523043"/>
+          <a:ext cx="10515600" cy="1559025"/>
+        </a:xfrm>
+        <a:prstGeom prst="roundRect">
+          <a:avLst/>
+        </a:prstGeom>
+        <a:solidFill>
+          <a:schemeClr val="accent2">
+            <a:lumMod val="75000"/>
+          </a:schemeClr>
+        </a:solidFill>
+        <a:ln w="12700" cap="flat" cmpd="sng" algn="ctr">
+          <a:solidFill>
+            <a:schemeClr val="lt1">
+              <a:hueOff val="0"/>
+              <a:satOff val="0"/>
+              <a:lumOff val="0"/>
+              <a:alphaOff val="0"/>
+            </a:schemeClr>
+          </a:solidFill>
+          <a:prstDash val="solid"/>
+          <a:miter lim="800000"/>
+        </a:ln>
+        <a:effectLst/>
+      </dsp:spPr>
+      <dsp:style>
+        <a:lnRef idx="2">
+          <a:scrgbClr r="0" g="0" b="0"/>
+        </a:lnRef>
+        <a:fillRef idx="1">
+          <a:scrgbClr r="0" g="0" b="0"/>
+        </a:fillRef>
+        <a:effectRef idx="0">
+          <a:scrgbClr r="0" g="0" b="0"/>
+        </a:effectRef>
+        <a:fontRef idx="minor">
+          <a:schemeClr val="lt1"/>
+        </a:fontRef>
+      </dsp:style>
+      <dsp:txBody>
+        <a:bodyPr spcFirstLastPara="0" vert="horz" wrap="square" lIns="247650" tIns="247650" rIns="247650" bIns="247650" numCol="1" spcCol="1270" anchor="ctr" anchorCtr="0">
+          <a:noAutofit/>
+        </a:bodyPr>
+        <a:lstStyle/>
+        <a:p>
+          <a:pPr marL="0" lvl="0" indent="0" algn="l" defTabSz="2889250" rtl="0">
+            <a:lnSpc>
+              <a:spcPct val="90000"/>
+            </a:lnSpc>
+            <a:spcBef>
+              <a:spcPct val="0"/>
+            </a:spcBef>
+            <a:spcAft>
+              <a:spcPct val="35000"/>
+            </a:spcAft>
+            <a:buNone/>
+          </a:pPr>
+          <a:r>
+            <a:rPr lang="en-US" sz="6500" kern="1200" dirty="0"/>
+            <a:t>Computed Observables</a:t>
+          </a:r>
+        </a:p>
+      </dsp:txBody>
+      <dsp:txXfrm>
+        <a:off x="76105" y="599148"/>
+        <a:ext cx="10363390" cy="1406815"/>
+      </dsp:txXfrm>
+    </dsp:sp>
+    <dsp:sp modelId="{9A05EC56-1CCA-4CFC-8542-E750A70D2D21}">
+      <dsp:nvSpPr>
+        <dsp:cNvPr id="0" name=""/>
+        <dsp:cNvSpPr/>
+      </dsp:nvSpPr>
+      <dsp:spPr>
+        <a:xfrm>
+          <a:off x="0" y="2269269"/>
+          <a:ext cx="10515600" cy="1559025"/>
+        </a:xfrm>
+        <a:prstGeom prst="roundRect">
+          <a:avLst/>
+        </a:prstGeom>
+        <a:solidFill>
+          <a:schemeClr val="accent6">
+            <a:lumMod val="75000"/>
+          </a:schemeClr>
+        </a:solidFill>
+        <a:ln w="12700" cap="flat" cmpd="sng" algn="ctr">
+          <a:solidFill>
+            <a:schemeClr val="lt1">
+              <a:hueOff val="0"/>
+              <a:satOff val="0"/>
+              <a:lumOff val="0"/>
+              <a:alphaOff val="0"/>
+            </a:schemeClr>
+          </a:solidFill>
+          <a:prstDash val="solid"/>
+          <a:miter lim="800000"/>
+        </a:ln>
+        <a:effectLst/>
+      </dsp:spPr>
+      <dsp:style>
+        <a:lnRef idx="2">
+          <a:scrgbClr r="0" g="0" b="0"/>
+        </a:lnRef>
+        <a:fillRef idx="1">
+          <a:scrgbClr r="0" g="0" b="0"/>
+        </a:fillRef>
+        <a:effectRef idx="0">
+          <a:scrgbClr r="0" g="0" b="0"/>
+        </a:effectRef>
+        <a:fontRef idx="minor">
+          <a:schemeClr val="lt1"/>
+        </a:fontRef>
+      </dsp:style>
+      <dsp:txBody>
+        <a:bodyPr spcFirstLastPara="0" vert="horz" wrap="square" lIns="247650" tIns="247650" rIns="247650" bIns="247650" numCol="1" spcCol="1270" anchor="ctr" anchorCtr="0">
+          <a:noAutofit/>
+        </a:bodyPr>
+        <a:lstStyle/>
+        <a:p>
+          <a:pPr marL="0" lvl="0" indent="0" algn="l" defTabSz="2889250" rtl="0">
+            <a:lnSpc>
+              <a:spcPct val="90000"/>
+            </a:lnSpc>
+            <a:spcBef>
+              <a:spcPct val="0"/>
+            </a:spcBef>
+            <a:spcAft>
+              <a:spcPct val="35000"/>
+            </a:spcAft>
+            <a:buNone/>
+          </a:pPr>
+          <a:r>
+            <a:rPr lang="en-US" sz="6500" kern="1200" dirty="0"/>
+            <a:t>Custom Bindings</a:t>
+          </a:r>
+        </a:p>
+      </dsp:txBody>
+      <dsp:txXfrm>
+        <a:off x="76105" y="2345374"/>
+        <a:ext cx="10363390" cy="1406815"/>
+      </dsp:txXfrm>
+    </dsp:sp>
   </dsp:spTree>
 </dsp:drawing>
 </file>
@@ -17838,7 +17777,7 @@
           <a:p>
             <a:fld id="{90103BBB-E53D-4293-9149-0B0062B986F7}" type="datetimeFigureOut">
               <a:rPr lang="en-US" smtClean="0"/>
-              <a:t>4/25/2017</a:t>
+              <a:t>4/26/2017</a:t>
             </a:fld>
             <a:endParaRPr lang="en-US" dirty="0"/>
           </a:p>
@@ -18161,31 +18100,7 @@
                 <a:ea typeface="+mn-ea"/>
                 <a:cs typeface="+mn-cs"/>
               </a:rPr>
-              <a:t>Attention: Johnny Lopez or </a:t>
-            </a:r>
-            <a:r>
-              <a:rPr lang="en-US" sz="1200" b="1" kern="1200" dirty="0" err="1">
-                <a:solidFill>
-                  <a:schemeClr val="tx1"/>
-                </a:solidFill>
-                <a:effectLst/>
-                <a:latin typeface="+mn-lt"/>
-                <a:ea typeface="+mn-ea"/>
-                <a:cs typeface="+mn-cs"/>
-              </a:rPr>
-              <a:t>Naimish</a:t>
-            </a:r>
-            <a:r>
-              <a:rPr lang="en-US" sz="1200" b="1" kern="1200" dirty="0">
-                <a:solidFill>
-                  <a:schemeClr val="tx1"/>
-                </a:solidFill>
-                <a:effectLst/>
-                <a:latin typeface="+mn-lt"/>
-                <a:ea typeface="+mn-ea"/>
-                <a:cs typeface="+mn-cs"/>
-              </a:rPr>
-              <a:t> Pandya</a:t>
+              <a:t>Attention: Johnny Lopez or Naimish Pandya</a:t>
             </a:r>
             <a:endParaRPr lang="en-US" sz="1200" kern="1200" dirty="0">
               <a:solidFill>
@@ -18295,7 +18210,7 @@
               <a:pPr/>
               <a:t>1</a:t>
             </a:fld>
-            <a:endParaRPr lang="en-US">
+            <a:endParaRPr lang="en-US" dirty="0">
               <a:solidFill>
                 <a:prstClr val="black"/>
               </a:solidFill>
@@ -18362,7 +18277,7 @@
           </a:bodyPr>
           <a:lstStyle/>
           <a:p>
-            <a:endParaRPr lang="en-US"/>
+            <a:endParaRPr lang="en-US" dirty="0"/>
           </a:p>
         </p:txBody>
       </p:sp>
@@ -18390,7 +18305,7 @@
               <a:pPr/>
               <a:t>2</a:t>
             </a:fld>
-            <a:endParaRPr lang="en-US">
+            <a:endParaRPr lang="en-US" dirty="0">
               <a:solidFill>
                 <a:prstClr val="black"/>
               </a:solidFill>
@@ -18457,7 +18372,7 @@
           </a:bodyPr>
           <a:lstStyle/>
           <a:p>
-            <a:endParaRPr lang="en-US"/>
+            <a:endParaRPr lang="en-US" dirty="0"/>
           </a:p>
         </p:txBody>
       </p:sp>
@@ -18485,7 +18400,7 @@
               <a:pPr/>
               <a:t>3</a:t>
             </a:fld>
-            <a:endParaRPr lang="en-US">
+            <a:endParaRPr lang="en-US" dirty="0">
               <a:solidFill>
                 <a:prstClr val="black"/>
               </a:solidFill>
@@ -18580,7 +18495,7 @@
               <a:pPr/>
               <a:t>4</a:t>
             </a:fld>
-            <a:endParaRPr lang="en-US">
+            <a:endParaRPr lang="en-US" dirty="0">
               <a:solidFill>
                 <a:prstClr val="black"/>
               </a:solidFill>
@@ -18744,7 +18659,7 @@
           <a:p>
             <a:fld id="{83B5B94A-D4C6-4252-9821-CF0A721D5EBA}" type="datetimeFigureOut">
               <a:rPr lang="en-US" smtClean="0"/>
-              <a:t>4/25/2017</a:t>
+              <a:t>4/26/2017</a:t>
             </a:fld>
             <a:endParaRPr lang="en-US" dirty="0"/>
           </a:p>
@@ -18912,7 +18827,7 @@
           <a:p>
             <a:fld id="{83B5B94A-D4C6-4252-9821-CF0A721D5EBA}" type="datetimeFigureOut">
               <a:rPr lang="en-US" smtClean="0"/>
-              <a:t>4/25/2017</a:t>
+              <a:t>4/26/2017</a:t>
             </a:fld>
             <a:endParaRPr lang="en-US" dirty="0"/>
           </a:p>
@@ -19090,7 +19005,7 @@
           <a:p>
             <a:fld id="{83B5B94A-D4C6-4252-9821-CF0A721D5EBA}" type="datetimeFigureOut">
               <a:rPr lang="en-US" smtClean="0"/>
-              <a:t>4/25/2017</a:t>
+              <a:t>4/26/2017</a:t>
             </a:fld>
             <a:endParaRPr lang="en-US" dirty="0"/>
           </a:p>
@@ -20902,7 +20817,7 @@
           <a:p>
             <a:fld id="{83B5B94A-D4C6-4252-9821-CF0A721D5EBA}" type="datetimeFigureOut">
               <a:rPr lang="en-US" smtClean="0"/>
-              <a:t>4/25/2017</a:t>
+              <a:t>4/26/2017</a:t>
             </a:fld>
             <a:endParaRPr lang="en-US" dirty="0"/>
           </a:p>
@@ -21383,7 +21298,7 @@
           <a:p>
             <a:fld id="{83B5B94A-D4C6-4252-9821-CF0A721D5EBA}" type="datetimeFigureOut">
               <a:rPr lang="en-US" smtClean="0"/>
-              <a:t>4/25/2017</a:t>
+              <a:t>4/26/2017</a:t>
             </a:fld>
             <a:endParaRPr lang="en-US" dirty="0"/>
           </a:p>
@@ -21612,7 +21527,7 @@
           <a:p>
             <a:fld id="{83B5B94A-D4C6-4252-9821-CF0A721D5EBA}" type="datetimeFigureOut">
               <a:rPr lang="en-US" smtClean="0"/>
-              <a:t>4/25/2017</a:t>
+              <a:t>4/26/2017</a:t>
             </a:fld>
             <a:endParaRPr lang="en-US" dirty="0"/>
           </a:p>
@@ -21976,7 +21891,7 @@
           <a:p>
             <a:fld id="{83B5B94A-D4C6-4252-9821-CF0A721D5EBA}" type="datetimeFigureOut">
               <a:rPr lang="en-US" smtClean="0"/>
-              <a:t>4/25/2017</a:t>
+              <a:t>4/26/2017</a:t>
             </a:fld>
             <a:endParaRPr lang="en-US" dirty="0"/>
           </a:p>
@@ -22093,7 +22008,7 @@
           <a:p>
             <a:fld id="{83B5B94A-D4C6-4252-9821-CF0A721D5EBA}" type="datetimeFigureOut">
               <a:rPr lang="en-US" smtClean="0"/>
-              <a:t>4/25/2017</a:t>
+              <a:t>4/26/2017</a:t>
             </a:fld>
             <a:endParaRPr lang="en-US" dirty="0"/>
           </a:p>
@@ -22188,7 +22103,7 @@
           <a:p>
             <a:fld id="{83B5B94A-D4C6-4252-9821-CF0A721D5EBA}" type="datetimeFigureOut">
               <a:rPr lang="en-US" smtClean="0"/>
-              <a:t>4/25/2017</a:t>
+              <a:t>4/26/2017</a:t>
             </a:fld>
             <a:endParaRPr lang="en-US" dirty="0"/>
           </a:p>
@@ -22463,7 +22378,7 @@
           <a:p>
             <a:fld id="{83B5B94A-D4C6-4252-9821-CF0A721D5EBA}" type="datetimeFigureOut">
               <a:rPr lang="en-US" smtClean="0"/>
-              <a:t>4/25/2017</a:t>
+              <a:t>4/26/2017</a:t>
             </a:fld>
             <a:endParaRPr lang="en-US" dirty="0"/>
           </a:p>
@@ -22715,7 +22630,7 @@
           <a:p>
             <a:fld id="{83B5B94A-D4C6-4252-9821-CF0A721D5EBA}" type="datetimeFigureOut">
               <a:rPr lang="en-US" smtClean="0"/>
-              <a:t>4/25/2017</a:t>
+              <a:t>4/26/2017</a:t>
             </a:fld>
             <a:endParaRPr lang="en-US" dirty="0"/>
           </a:p>
@@ -22935,7 +22850,7 @@
           <a:p>
             <a:fld id="{83B5B94A-D4C6-4252-9821-CF0A721D5EBA}" type="datetimeFigureOut">
               <a:rPr lang="en-US" smtClean="0"/>
-              <a:t>4/25/2017</a:t>
+              <a:t>4/26/2017</a:t>
             </a:fld>
             <a:endParaRPr lang="en-US" dirty="0"/>
           </a:p>
@@ -23504,7 +23419,7 @@
                 </a:solidFill>
               </a:rPr>
               <a:pPr/>
-              <a:t>4/25/2017</a:t>
+              <a:t>4/26/2017</a:t>
             </a:fld>
             <a:endParaRPr lang="en-US" dirty="0">
               <a:solidFill>
@@ -23944,10 +23859,6 @@
               <a:rPr lang="en-US" sz="5300" b="1" dirty="0"/>
               <a:t>Knockout and Typescript </a:t>
             </a:r>
-            <a:r>
-              <a:rPr lang="en-US" sz="7200" b="1" dirty="0"/>
-              <a:t/>
-            </a:r>
             <a:br>
               <a:rPr lang="en-US" sz="7200" b="1" dirty="0"/>
             </a:br>
@@ -23993,13 +23904,6 @@
     <a:masterClrMapping/>
   </p:clrMapOvr>
   <p:transition/>
-  <p:timing>
-    <p:tnLst>
-      <p:par>
-        <p:cTn id="1" dur="indefinite" restart="never" nodeType="tmRoot"/>
-      </p:par>
-    </p:tnLst>
-  </p:timing>
 </p:sld>
 </file>
 
@@ -24935,13 +24839,6 @@
   <p:clrMapOvr>
     <a:masterClrMapping/>
   </p:clrMapOvr>
-  <p:timing>
-    <p:tnLst>
-      <p:par>
-        <p:cTn id="1" dur="indefinite" restart="never" nodeType="tmRoot"/>
-      </p:par>
-    </p:tnLst>
-  </p:timing>
 </p:sld>
 </file>
 
@@ -25268,13 +25165,6 @@
   <p:clrMapOvr>
     <a:masterClrMapping/>
   </p:clrMapOvr>
-  <p:timing>
-    <p:tnLst>
-      <p:par>
-        <p:cTn id="1" dur="indefinite" restart="never" nodeType="tmRoot"/>
-      </p:par>
-    </p:tnLst>
-  </p:timing>
 </p:sld>
 </file>
 
@@ -25314,13 +25204,8 @@
           <a:p>
             <a:r>
               <a:rPr lang="en-US" sz="6000" dirty="0"/>
-              <a:t>Don’t use </a:t>
+              <a:t>Don’t use var</a:t>
             </a:r>
-            <a:r>
-              <a:rPr lang="en-US" sz="6000" dirty="0" err="1"/>
-              <a:t>var</a:t>
-            </a:r>
-            <a:endParaRPr lang="en-US" sz="6000" dirty="0"/>
           </a:p>
         </p:txBody>
       </p:sp>
@@ -25360,13 +25245,6 @@
   <p:clrMapOvr>
     <a:masterClrMapping/>
   </p:clrMapOvr>
-  <p:timing>
-    <p:tnLst>
-      <p:par>
-        <p:cTn id="1" dur="indefinite" restart="never" nodeType="tmRoot"/>
-      </p:par>
-    </p:tnLst>
-  </p:timing>
 </p:sld>
 </file>
 
@@ -25447,13 +25325,6 @@
   <p:clrMapOvr>
     <a:masterClrMapping/>
   </p:clrMapOvr>
-  <p:timing>
-    <p:tnLst>
-      <p:par>
-        <p:cTn id="1" dur="indefinite" restart="never" nodeType="tmRoot"/>
-      </p:par>
-    </p:tnLst>
-  </p:timing>
 </p:sld>
 </file>
 
@@ -26095,13 +25966,8 @@
           <a:p>
             <a:r>
               <a:rPr lang="en-US" sz="6000" dirty="0"/>
-              <a:t>So what can we bind to in </a:t>
+              <a:t>So what can we bind to in HTML?</a:t>
             </a:r>
-            <a:r>
-              <a:rPr lang="en-US" sz="6000" dirty="0" smtClean="0"/>
-              <a:t>HTML?</a:t>
-            </a:r>
-            <a:endParaRPr lang="en-US" sz="6000" dirty="0"/>
           </a:p>
         </p:txBody>
       </p:sp>
@@ -26140,13 +26006,6 @@
   <p:clrMapOvr>
     <a:masterClrMapping/>
   </p:clrMapOvr>
-  <p:timing>
-    <p:tnLst>
-      <p:par>
-        <p:cTn id="1" dur="indefinite" restart="never" nodeType="tmRoot"/>
-      </p:par>
-    </p:tnLst>
-  </p:timing>
 </p:sld>
 </file>
 
@@ -26431,10 +26290,9 @@
           <a:lstStyle/>
           <a:p>
             <a:r>
-              <a:rPr lang="en-US" dirty="0" smtClean="0"/>
+              <a:rPr lang="en-US" dirty="0"/>
               <a:t>POJO Result</a:t>
             </a:r>
-            <a:endParaRPr lang="en-US" dirty="0"/>
           </a:p>
         </p:txBody>
       </p:sp>
@@ -26474,13 +26332,6 @@
   <p:clrMapOvr>
     <a:masterClrMapping/>
   </p:clrMapOvr>
-  <p:timing>
-    <p:tnLst>
-      <p:par>
-        <p:cTn id="1" dur="indefinite" restart="never" nodeType="tmRoot"/>
-      </p:par>
-    </p:tnLst>
-  </p:timing>
 </p:sld>
 </file>
 
@@ -26754,13 +26605,6 @@
     <a:masterClrMapping/>
   </p:clrMapOvr>
   <p:transition/>
-  <p:timing>
-    <p:tnLst>
-      <p:par>
-        <p:cTn id="1" dur="indefinite" restart="never" nodeType="tmRoot"/>
-      </p:par>
-    </p:tnLst>
-  </p:timing>
 </p:sld>
 </file>
 
@@ -26797,10 +26641,9 @@
           <a:lstStyle/>
           <a:p>
             <a:r>
-              <a:rPr lang="en-US" sz="6000" dirty="0" smtClean="0"/>
+              <a:rPr lang="en-US" sz="6000" dirty="0"/>
               <a:t>Observable</a:t>
             </a:r>
-            <a:endParaRPr lang="en-US" sz="6000" dirty="0"/>
           </a:p>
         </p:txBody>
       </p:sp>
@@ -26838,13 +26681,6 @@
   <p:clrMapOvr>
     <a:masterClrMapping/>
   </p:clrMapOvr>
-  <p:timing>
-    <p:tnLst>
-      <p:par>
-        <p:cTn id="1" dur="indefinite" restart="never" nodeType="tmRoot"/>
-      </p:par>
-    </p:tnLst>
-  </p:timing>
 </p:sld>
 </file>
 
@@ -26883,10 +26719,9 @@
           <a:lstStyle/>
           <a:p>
             <a:r>
-              <a:rPr lang="en-US" sz="6000" dirty="0" smtClean="0"/>
+              <a:rPr lang="en-US" sz="6000" dirty="0"/>
               <a:t>Observable Result</a:t>
             </a:r>
-            <a:endParaRPr lang="en-US" sz="6000" dirty="0"/>
           </a:p>
         </p:txBody>
       </p:sp>
@@ -26926,13 +26761,6 @@
   <p:clrMapOvr>
     <a:masterClrMapping/>
   </p:clrMapOvr>
-  <p:timing>
-    <p:tnLst>
-      <p:par>
-        <p:cTn id="1" dur="indefinite" restart="never" nodeType="tmRoot"/>
-      </p:par>
-    </p:tnLst>
-  </p:timing>
 </p:sld>
 </file>
 
@@ -27011,13 +26839,6 @@
   <p:clrMapOvr>
     <a:masterClrMapping/>
   </p:clrMapOvr>
-  <p:timing>
-    <p:tnLst>
-      <p:par>
-        <p:cTn id="1" dur="indefinite" restart="never" nodeType="tmRoot"/>
-      </p:par>
-    </p:tnLst>
-  </p:timing>
 </p:sld>
 </file>
 
@@ -27094,13 +26915,6 @@
   <p:clrMapOvr>
     <a:masterClrMapping/>
   </p:clrMapOvr>
-  <p:timing>
-    <p:tnLst>
-      <p:par>
-        <p:cTn id="1" dur="indefinite" restart="never" nodeType="tmRoot"/>
-      </p:par>
-    </p:tnLst>
-  </p:timing>
 </p:sld>
 </file>
 
@@ -27137,10 +26951,9 @@
           <a:lstStyle/>
           <a:p>
             <a:r>
-              <a:rPr lang="en-US" dirty="0" smtClean="0"/>
+              <a:rPr lang="en-US" dirty="0"/>
               <a:t>Observable Array Result</a:t>
             </a:r>
-            <a:endParaRPr lang="en-US" dirty="0"/>
           </a:p>
         </p:txBody>
       </p:sp>
@@ -27180,13 +26993,6 @@
   <p:clrMapOvr>
     <a:masterClrMapping/>
   </p:clrMapOvr>
-  <p:timing>
-    <p:tnLst>
-      <p:par>
-        <p:cTn id="1" dur="indefinite" restart="never" nodeType="tmRoot"/>
-      </p:par>
-    </p:tnLst>
-  </p:timing>
 </p:sld>
 </file>
 
@@ -27293,13 +27099,6 @@
   <p:clrMapOvr>
     <a:masterClrMapping/>
   </p:clrMapOvr>
-  <p:timing>
-    <p:tnLst>
-      <p:par>
-        <p:cTn id="1" dur="indefinite" restart="never" nodeType="tmRoot"/>
-      </p:par>
-    </p:tnLst>
-  </p:timing>
 </p:sld>
 </file>
 
@@ -27336,10 +27135,9 @@
           <a:lstStyle/>
           <a:p>
             <a:r>
-              <a:rPr lang="en-US" dirty="0" smtClean="0"/>
+              <a:rPr lang="en-US" dirty="0"/>
               <a:t>Event Result</a:t>
             </a:r>
-            <a:endParaRPr lang="en-US" dirty="0"/>
           </a:p>
         </p:txBody>
       </p:sp>
@@ -27379,13 +27177,6 @@
   <p:clrMapOvr>
     <a:masterClrMapping/>
   </p:clrMapOvr>
-  <p:timing>
-    <p:tnLst>
-      <p:par>
-        <p:cTn id="1" dur="indefinite" restart="never" nodeType="tmRoot"/>
-      </p:par>
-    </p:tnLst>
-  </p:timing>
 </p:sld>
 </file>
 
@@ -27422,10 +27213,9 @@
           <a:lstStyle/>
           <a:p>
             <a:r>
-              <a:rPr lang="en-US" dirty="0" smtClean="0"/>
+              <a:rPr lang="en-US" dirty="0"/>
               <a:t>Not Covered</a:t>
             </a:r>
-            <a:endParaRPr lang="en-US" dirty="0"/>
           </a:p>
         </p:txBody>
       </p:sp>
@@ -27464,13 +27254,6 @@
   <p:clrMapOvr>
     <a:masterClrMapping/>
   </p:clrMapOvr>
-  <p:timing>
-    <p:tnLst>
-      <p:par>
-        <p:cTn id="1" dur="indefinite" restart="never" nodeType="tmRoot"/>
-      </p:par>
-    </p:tnLst>
-  </p:timing>
 </p:sld>
 </file>
 
@@ -27561,13 +27344,6 @@
   <p:clrMapOvr>
     <a:masterClrMapping/>
   </p:clrMapOvr>
-  <p:timing>
-    <p:tnLst>
-      <p:par>
-        <p:cTn id="1" dur="indefinite" restart="never" nodeType="tmRoot"/>
-      </p:par>
-    </p:tnLst>
-  </p:timing>
 </p:sld>
 </file>
 
@@ -27605,7 +27381,7 @@
           <a:p>
             <a:r>
               <a:rPr lang="en-US" dirty="0"/>
-              <a:t>References</a:t>
+              <a:t>Making it reusable</a:t>
             </a:r>
           </a:p>
         </p:txBody>
@@ -27620,99 +27396,131 @@
             <p:ph idx="1"/>
           </p:nvPr>
         </p:nvSpPr>
-        <p:spPr>
-          <a:xfrm>
-            <a:off x="838200" y="2031649"/>
-            <a:ext cx="10515600" cy="3572269"/>
-          </a:xfrm>
-        </p:spPr>
+        <p:spPr/>
         <p:txBody>
           <a:bodyPr>
-            <a:normAutofit fontScale="92500" lnSpcReduction="10000"/>
+            <a:noAutofit/>
           </a:bodyPr>
           <a:lstStyle/>
           <a:p>
             <a:r>
-              <a:rPr lang="en-US" sz="3200" dirty="0"/>
-              <a:t>Typescript quick Start: </a:t>
+              <a:rPr lang="en-US" sz="2000" b="1" dirty="0"/>
+              <a:t>Get the web part id: </a:t>
             </a:r>
-            <a:r>
-              <a:rPr lang="en-US" sz="3200" dirty="0">
-                <a:hlinkClick r:id="rId2"/>
-              </a:rPr>
-              <a:t>http://www.typescriptlang.org/docs/tutorial.html</a:t>
-            </a:r>
-            <a:endParaRPr lang="en-US" sz="3200" dirty="0"/>
+          </a:p>
+          <a:p>
+            <a:endParaRPr lang="en-US" sz="2000" dirty="0"/>
+          </a:p>
+          <a:p>
+            <a:endParaRPr lang="en-US" sz="2000" dirty="0"/>
+          </a:p>
+          <a:p>
+            <a:endParaRPr lang="en-US" sz="2000" dirty="0"/>
+          </a:p>
+          <a:p>
+            <a:endParaRPr lang="en-US" sz="2000" dirty="0"/>
           </a:p>
           <a:p>
             <a:r>
-              <a:rPr lang="en-US" sz="3200" dirty="0"/>
-              <a:t>Knockout documentation: </a:t>
+              <a:rPr lang="en-US" sz="2000" b="1" dirty="0"/>
+              <a:t>Go to:</a:t>
+            </a:r>
+          </a:p>
+          <a:p>
+            <a:pPr marL="0" indent="0">
+              <a:buNone/>
+            </a:pPr>
+            <a:r>
+              <a:rPr lang="en-US" sz="2000" dirty="0"/>
+              <a:t>&lt;site&gt;/</a:t>
             </a:r>
             <a:r>
-              <a:rPr lang="en-US" sz="3200" dirty="0">
-                <a:hlinkClick r:id="rId3"/>
-              </a:rPr>
-              <a:t>http://knockoutjs.com/documentation/introduction.html</a:t>
+              <a:rPr lang="en-US" sz="2000" dirty="0"/>
+              <a:t>_vti_bin/exportwp.aspx? pageurl=&lt;pageurl&gt;&amp;guidstring=&lt;webPartId&gt;</a:t>
             </a:r>
-            <a:endParaRPr lang="en-US" sz="3200" dirty="0"/>
+          </a:p>
+          <a:p>
+            <a:pPr marL="0" indent="0">
+              <a:buNone/>
+            </a:pPr>
+            <a:r>
+              <a:rPr lang="en-US" sz="2000" dirty="0"/>
+              <a:t>&lt;site&gt; = your site</a:t>
+            </a:r>
+          </a:p>
+          <a:p>
+            <a:pPr marL="0" indent="0">
+              <a:buNone/>
+            </a:pPr>
+            <a:r>
+              <a:rPr lang="en-US" sz="2000" dirty="0"/>
+              <a:t>&lt;pageurl&gt; = the full path to the web part page</a:t>
+            </a:r>
+          </a:p>
+          <a:p>
+            <a:pPr marL="0" indent="0">
+              <a:buNone/>
+            </a:pPr>
+            <a:r>
+              <a:rPr lang="en-US" sz="2000" dirty="0"/>
+              <a:t>&lt;webPartId&gt; = the id of the web part you want to export</a:t>
+            </a:r>
           </a:p>
           <a:p>
             <a:r>
-              <a:rPr lang="en-US" sz="3200" dirty="0"/>
-              <a:t>Widget-Wrangler by Bob German and Julie Turner: </a:t>
+              <a:rPr lang="en-US" sz="2000" b="1" dirty="0"/>
+              <a:t>Save the resulting .webpart file, change title, description, etc, upload to the web part gallery</a:t>
             </a:r>
-            <a:r>
-              <a:rPr lang="en-US" sz="3200" dirty="0">
-                <a:hlinkClick r:id="rId4"/>
-              </a:rPr>
-              <a:t>https://github.com/Widget-Wrangler/ww</a:t>
-            </a:r>
-            <a:endParaRPr lang="en-US" sz="3200" dirty="0"/>
-          </a:p>
-          <a:p>
-            <a:r>
-              <a:rPr lang="en-US" sz="3200" dirty="0"/>
-              <a:t>Source code for </a:t>
-            </a:r>
-            <a:r>
-              <a:rPr lang="en-US" sz="3200" dirty="0" err="1"/>
-              <a:t>tkoWebPart</a:t>
-            </a:r>
-            <a:r>
-              <a:rPr lang="en-US" sz="3200" dirty="0"/>
-              <a:t> demo: </a:t>
-            </a:r>
-            <a:r>
-              <a:rPr lang="en-US" sz="3200" dirty="0">
-                <a:hlinkClick r:id="rId5"/>
-              </a:rPr>
-              <a:t>https://github.com/mcsheaj/tkoWebPart</a:t>
-            </a:r>
-            <a:endParaRPr lang="en-US" sz="3200" dirty="0"/>
-          </a:p>
-          <a:p>
-            <a:endParaRPr lang="en-US" dirty="0"/>
+            <a:endParaRPr lang="en-US" sz="2000" b="1" dirty="0"/>
           </a:p>
         </p:txBody>
       </p:sp>
+      <p:pic>
+        <p:nvPicPr>
+          <p:cNvPr id="4" name="Picture 3"/>
+          <p:cNvPicPr>
+            <a:picLocks noChangeAspect="1"/>
+          </p:cNvPicPr>
+          <p:nvPr/>
+        </p:nvPicPr>
+        <p:blipFill>
+          <a:blip r:embed="rId2"/>
+          <a:stretch>
+            <a:fillRect/>
+          </a:stretch>
+        </p:blipFill>
+        <p:spPr>
+          <a:xfrm>
+            <a:off x="2588250" y="2334262"/>
+            <a:ext cx="4748550" cy="1609231"/>
+          </a:xfrm>
+          <a:prstGeom prst="rect">
+            <a:avLst/>
+          </a:prstGeom>
+          <a:ln>
+            <a:solidFill>
+              <a:schemeClr val="accent1"/>
+            </a:solidFill>
+          </a:ln>
+          <a:effectLst>
+            <a:outerShdw blurRad="50800" dist="38100" dir="2700000" algn="tl" rotWithShape="0">
+              <a:prstClr val="black">
+                <a:alpha val="40000"/>
+              </a:prstClr>
+            </a:outerShdw>
+          </a:effectLst>
+        </p:spPr>
+      </p:pic>
     </p:spTree>
     <p:extLst>
       <p:ext uri="{BB962C8B-B14F-4D97-AF65-F5344CB8AC3E}">
-        <p14:creationId xmlns:p14="http://schemas.microsoft.com/office/powerpoint/2010/main" val="1980192070"/>
+        <p14:creationId xmlns:p14="http://schemas.microsoft.com/office/powerpoint/2010/main" val="4198515527"/>
       </p:ext>
     </p:extLst>
   </p:cSld>
   <p:clrMapOvr>
     <a:masterClrMapping/>
   </p:clrMapOvr>
-  <p:timing>
-    <p:tnLst>
-      <p:par>
-        <p:cTn id="1" dur="indefinite" restart="never" nodeType="tmRoot"/>
-      </p:par>
-    </p:tnLst>
-  </p:timing>
 </p:sld>
 </file>
 
@@ -28152,18 +27960,13 @@
           </a:lstStyle>
           <a:p>
             <a:r>
-              <a:rPr lang="en-US">
+              <a:rPr lang="en-US" dirty="0">
                 <a:solidFill>
                   <a:prstClr val="white"/>
                 </a:solidFill>
               </a:rPr>
               <a:t>Thanks to all our Sponsors!</a:t>
             </a:r>
-            <a:endParaRPr lang="en-US" dirty="0">
-              <a:solidFill>
-                <a:prstClr val="white"/>
-              </a:solidFill>
-            </a:endParaRPr>
           </a:p>
         </p:txBody>
       </p:sp>
@@ -28938,13 +28741,325 @@
     <a:masterClrMapping/>
   </p:clrMapOvr>
   <p:transition/>
-  <p:timing>
-    <p:tnLst>
-      <p:par>
-        <p:cTn id="1" dur="indefinite" restart="never" nodeType="tmRoot"/>
-      </p:par>
-    </p:tnLst>
-  </p:timing>
+</p:sld>
+</file>
+
+<file path=ppt/slides/slide30.xml><?xml version="1.0" encoding="utf-8"?>
+<p:sld xmlns:a="http://schemas.openxmlformats.org/drawingml/2006/main" xmlns:r="http://schemas.openxmlformats.org/officeDocument/2006/relationships" xmlns:p="http://schemas.openxmlformats.org/presentationml/2006/main">
+  <p:cSld>
+    <p:spTree>
+      <p:nvGrpSpPr>
+        <p:cNvPr id="1" name=""/>
+        <p:cNvGrpSpPr/>
+        <p:nvPr/>
+      </p:nvGrpSpPr>
+      <p:grpSpPr>
+        <a:xfrm>
+          <a:off x="0" y="0"/>
+          <a:ext cx="0" cy="0"/>
+          <a:chOff x="0" y="0"/>
+          <a:chExt cx="0" cy="0"/>
+        </a:xfrm>
+      </p:grpSpPr>
+      <p:sp>
+        <p:nvSpPr>
+          <p:cNvPr id="2" name="Title 1"/>
+          <p:cNvSpPr>
+            <a:spLocks noGrp="1"/>
+          </p:cNvSpPr>
+          <p:nvPr>
+            <p:ph type="title"/>
+          </p:nvPr>
+        </p:nvSpPr>
+        <p:spPr/>
+        <p:txBody>
+          <a:bodyPr/>
+          <a:lstStyle/>
+          <a:p>
+            <a:r>
+              <a:rPr lang="en-US" dirty="0"/>
+              <a:t>References</a:t>
+            </a:r>
+          </a:p>
+        </p:txBody>
+      </p:sp>
+      <p:sp>
+        <p:nvSpPr>
+          <p:cNvPr id="3" name="Content Placeholder 2"/>
+          <p:cNvSpPr>
+            <a:spLocks noGrp="1"/>
+          </p:cNvSpPr>
+          <p:nvPr>
+            <p:ph idx="1"/>
+          </p:nvPr>
+        </p:nvSpPr>
+        <p:spPr>
+          <a:xfrm>
+            <a:off x="838200" y="2031649"/>
+            <a:ext cx="10185000" cy="3922751"/>
+          </a:xfrm>
+        </p:spPr>
+        <p:txBody>
+          <a:bodyPr>
+            <a:normAutofit fontScale="85000" lnSpcReduction="10000"/>
+          </a:bodyPr>
+          <a:lstStyle/>
+          <a:p>
+            <a:r>
+              <a:rPr lang="en-US" sz="3200" dirty="0"/>
+              <a:t>Typescript quick Start: </a:t>
+            </a:r>
+            <a:r>
+              <a:rPr lang="en-US" sz="3200" dirty="0">
+                <a:solidFill>
+                  <a:schemeClr val="accent1">
+                    <a:lumMod val="75000"/>
+                  </a:schemeClr>
+                </a:solidFill>
+                <a:hlinkClick r:id="rId2"/>
+              </a:rPr>
+              <a:t>http://www.typescriptlang.org/docs/tutorial.html</a:t>
+            </a:r>
+            <a:endParaRPr lang="en-US" sz="3200" dirty="0">
+              <a:solidFill>
+                <a:schemeClr val="accent1">
+                  <a:lumMod val="75000"/>
+                </a:schemeClr>
+              </a:solidFill>
+            </a:endParaRPr>
+          </a:p>
+          <a:p>
+            <a:r>
+              <a:rPr lang="en-US" sz="3200" dirty="0"/>
+              <a:t>Knockout documentation: </a:t>
+            </a:r>
+            <a:r>
+              <a:rPr lang="en-US" sz="3200" dirty="0">
+                <a:solidFill>
+                  <a:schemeClr val="accent1">
+                    <a:lumMod val="75000"/>
+                  </a:schemeClr>
+                </a:solidFill>
+                <a:hlinkClick r:id="rId3"/>
+              </a:rPr>
+              <a:t>http://knockoutjs.com/documentation/introduction.html</a:t>
+            </a:r>
+            <a:endParaRPr lang="en-US" sz="3200" dirty="0">
+              <a:solidFill>
+                <a:schemeClr val="accent1">
+                  <a:lumMod val="75000"/>
+                </a:schemeClr>
+              </a:solidFill>
+            </a:endParaRPr>
+          </a:p>
+          <a:p>
+            <a:r>
+              <a:rPr lang="en-US" sz="3200" dirty="0"/>
+              <a:t>Widget-Wrangler by Bob German and Julie Turner: </a:t>
+            </a:r>
+            <a:r>
+              <a:rPr lang="en-US" sz="3200" dirty="0">
+                <a:solidFill>
+                  <a:schemeClr val="accent1">
+                    <a:lumMod val="75000"/>
+                  </a:schemeClr>
+                </a:solidFill>
+                <a:hlinkClick r:id="rId4"/>
+              </a:rPr>
+              <a:t>https://github.com/Widget-Wrangler/ww</a:t>
+            </a:r>
+            <a:endParaRPr lang="en-US" sz="3200" dirty="0">
+              <a:solidFill>
+                <a:schemeClr val="accent1">
+                  <a:lumMod val="75000"/>
+                </a:schemeClr>
+              </a:solidFill>
+            </a:endParaRPr>
+          </a:p>
+          <a:p>
+            <a:r>
+              <a:rPr lang="en-US" sz="3200" dirty="0"/>
+              <a:t>Source code for tkoWebPart demo: </a:t>
+            </a:r>
+            <a:r>
+              <a:rPr lang="en-US" sz="3200" dirty="0">
+                <a:solidFill>
+                  <a:schemeClr val="accent1">
+                    <a:lumMod val="75000"/>
+                  </a:schemeClr>
+                </a:solidFill>
+                <a:hlinkClick r:id="rId5"/>
+              </a:rPr>
+              <a:t>https://github.com/mcsheaj/tkoWebPart</a:t>
+            </a:r>
+            <a:endParaRPr lang="en-US" sz="3200" dirty="0">
+              <a:solidFill>
+                <a:schemeClr val="accent1">
+                  <a:lumMod val="75000"/>
+                </a:schemeClr>
+              </a:solidFill>
+            </a:endParaRPr>
+          </a:p>
+          <a:p>
+            <a:r>
+              <a:rPr lang="en-US" dirty="0"/>
+              <a:t>Set up your SharePoint client-side web part development environment: </a:t>
+            </a:r>
+            <a:r>
+              <a:rPr lang="en-US" sz="2600" dirty="0">
+                <a:solidFill>
+                  <a:schemeClr val="accent1">
+                    <a:lumMod val="75000"/>
+                  </a:schemeClr>
+                </a:solidFill>
+                <a:hlinkClick r:id="rId6"/>
+              </a:rPr>
+              <a:t>https://dev.office.com/sharepoint/docs/spfx/set-up-your-development-environment</a:t>
+            </a:r>
+            <a:endParaRPr lang="en-US" sz="2600" dirty="0">
+              <a:solidFill>
+                <a:schemeClr val="accent1">
+                  <a:lumMod val="75000"/>
+                </a:schemeClr>
+              </a:solidFill>
+            </a:endParaRPr>
+          </a:p>
+          <a:p>
+            <a:endParaRPr lang="en-US" dirty="0"/>
+          </a:p>
+        </p:txBody>
+      </p:sp>
+    </p:spTree>
+    <p:extLst>
+      <p:ext uri="{BB962C8B-B14F-4D97-AF65-F5344CB8AC3E}">
+        <p14:creationId xmlns:p14="http://schemas.microsoft.com/office/powerpoint/2010/main" val="1980192070"/>
+      </p:ext>
+    </p:extLst>
+  </p:cSld>
+  <p:clrMapOvr>
+    <a:masterClrMapping/>
+  </p:clrMapOvr>
+</p:sld>
+</file>
+
+<file path=ppt/slides/slide31.xml><?xml version="1.0" encoding="utf-8"?>
+<p:sld xmlns:a="http://schemas.openxmlformats.org/drawingml/2006/main" xmlns:r="http://schemas.openxmlformats.org/officeDocument/2006/relationships" xmlns:p="http://schemas.openxmlformats.org/presentationml/2006/main">
+  <p:cSld>
+    <p:spTree>
+      <p:nvGrpSpPr>
+        <p:cNvPr id="1" name=""/>
+        <p:cNvGrpSpPr/>
+        <p:nvPr/>
+      </p:nvGrpSpPr>
+      <p:grpSpPr>
+        <a:xfrm>
+          <a:off x="0" y="0"/>
+          <a:ext cx="0" cy="0"/>
+          <a:chOff x="0" y="0"/>
+          <a:chExt cx="0" cy="0"/>
+        </a:xfrm>
+      </p:grpSpPr>
+      <p:sp>
+        <p:nvSpPr>
+          <p:cNvPr id="2" name="Title 1"/>
+          <p:cNvSpPr>
+            <a:spLocks noGrp="1"/>
+          </p:cNvSpPr>
+          <p:nvPr>
+            <p:ph type="title"/>
+          </p:nvPr>
+        </p:nvSpPr>
+        <p:spPr/>
+        <p:txBody>
+          <a:bodyPr/>
+          <a:lstStyle/>
+          <a:p>
+            <a:r>
+              <a:rPr lang="en-US" dirty="0"/>
+              <a:t>References Continued</a:t>
+            </a:r>
+          </a:p>
+        </p:txBody>
+      </p:sp>
+      <p:sp>
+        <p:nvSpPr>
+          <p:cNvPr id="3" name="Content Placeholder 2"/>
+          <p:cNvSpPr>
+            <a:spLocks noGrp="1"/>
+          </p:cNvSpPr>
+          <p:nvPr>
+            <p:ph idx="1"/>
+          </p:nvPr>
+        </p:nvSpPr>
+        <p:spPr/>
+        <p:txBody>
+          <a:bodyPr/>
+          <a:lstStyle/>
+          <a:p>
+            <a:r>
+              <a:rPr lang="en-US" dirty="0"/>
+              <a:t>Pure JavaScript Slider with Animations by Gabriele Romanato: </a:t>
+            </a:r>
+            <a:r>
+              <a:rPr lang="en-US" dirty="0">
+                <a:solidFill>
+                  <a:schemeClr val="accent1">
+                    <a:lumMod val="75000"/>
+                  </a:schemeClr>
+                </a:solidFill>
+                <a:hlinkClick r:id="rId2"/>
+              </a:rPr>
+              <a:t>https://codepen.io/gabrieleromanato/pen/pIfoD</a:t>
+            </a:r>
+            <a:endParaRPr lang="en-US" dirty="0">
+              <a:solidFill>
+                <a:schemeClr val="accent1">
+                  <a:lumMod val="75000"/>
+                </a:schemeClr>
+              </a:solidFill>
+            </a:endParaRPr>
+          </a:p>
+          <a:p>
+            <a:r>
+              <a:rPr lang="en-US" dirty="0"/>
+              <a:t>Drag and Drop File Upload jQuery Example, Ravishanker Kusuma: </a:t>
+            </a:r>
+            <a:r>
+              <a:rPr lang="en-US" dirty="0">
+                <a:hlinkClick r:id="rId3"/>
+              </a:rPr>
+              <a:t>http://hayageek.com/drag-and-drop-file-upload-jquery/</a:t>
+            </a:r>
+            <a:endParaRPr lang="en-US" dirty="0"/>
+          </a:p>
+          <a:p>
+            <a:r>
+              <a:rPr lang="en-US" dirty="0"/>
+              <a:t>Export any web part from a SharePoint page, Anatoly Mironov: </a:t>
+            </a:r>
+            <a:r>
+              <a:rPr lang="en-US" sz="2400" dirty="0">
+                <a:hlinkClick r:id="rId4"/>
+              </a:rPr>
+              <a:t>https://chuvash.eu/2014/09/19/export-any-web-part-from-a-sharepoint-page/</a:t>
+            </a:r>
+            <a:endParaRPr lang="en-US" sz="2400" dirty="0"/>
+          </a:p>
+          <a:p>
+            <a:endParaRPr lang="en-US" dirty="0"/>
+          </a:p>
+        </p:txBody>
+      </p:sp>
+    </p:spTree>
+    <p:extLst>
+      <p:ext uri="{BB962C8B-B14F-4D97-AF65-F5344CB8AC3E}">
+        <p14:creationId xmlns:p14="http://schemas.microsoft.com/office/powerpoint/2010/main" val="2006399593"/>
+      </p:ext>
+    </p:extLst>
+  </p:cSld>
+  <p:clrMapOvr>
+    <a:masterClrMapping/>
+  </p:clrMapOvr>
 </p:sld>
 </file>
 
@@ -29058,19 +29173,26 @@
     <a:masterClrMapping/>
   </p:clrMapOvr>
   <p:transition/>
-  <p:timing>
-    <p:tnLst>
-      <p:par>
-        <p:cTn id="1" dur="indefinite" restart="never" nodeType="tmRoot"/>
-      </p:par>
-    </p:tnLst>
-  </p:timing>
 </p:sld>
 </file>
 
 <file path=ppt/slides/slide5.xml><?xml version="1.0" encoding="utf-8"?>
 <p:sld xmlns:a="http://schemas.openxmlformats.org/drawingml/2006/main" xmlns:r="http://schemas.openxmlformats.org/officeDocument/2006/relationships" xmlns:p="http://schemas.openxmlformats.org/presentationml/2006/main">
   <p:cSld>
+    <p:bg>
+      <p:bgPr>
+        <a:blipFill dpi="0" rotWithShape="1">
+          <a:blip r:embed="rId2">
+            <a:lum/>
+          </a:blip>
+          <a:srcRect/>
+          <a:stretch>
+            <a:fillRect t="-12000" b="-12000"/>
+          </a:stretch>
+        </a:blipFill>
+        <a:effectLst/>
+      </p:bgPr>
+    </p:bg>
     <p:spTree>
       <p:nvGrpSpPr>
         <p:cNvPr id="1" name=""/>
@@ -29364,7 +29486,7 @@
             </a:pPr>
             <a:r>
               <a:rPr lang="en-US" dirty="0"/>
-              <a:t>Author of SPEasyForms, the free/open source for SharePoint 2010, 2013, 2016, and Online available for download on CodePlex</a:t>
+              <a:t>Author of SPEasyForms, the free/open source for SharePoint 2010, 2013, 2016, and Online available for download on CodePlex/GitHub</a:t>
             </a:r>
           </a:p>
           <a:p>
@@ -29389,7 +29511,7 @@
                     <a:lumMod val="75000"/>
                   </a:schemeClr>
                 </a:solidFill>
-                <a:hlinkClick r:id="rId2"/>
+                <a:hlinkClick r:id="rId3"/>
               </a:rPr>
               <a:t>joe@intellipointsol.com</a:t>
             </a:r>
@@ -29429,7 +29551,7 @@
                     <a:lumMod val="75000"/>
                   </a:schemeClr>
                 </a:solidFill>
-                <a:hlinkClick r:id="rId3"/>
+                <a:hlinkClick r:id="rId4"/>
               </a:rPr>
               <a:t>http://speasyforms.com</a:t>
             </a:r>
@@ -29455,7 +29577,7 @@
           <p:nvPr/>
         </p:nvPicPr>
         <p:blipFill>
-          <a:blip r:embed="rId4" cstate="print">
+          <a:blip r:embed="rId5" cstate="print">
             <a:extLst>
               <a:ext uri="{28A0092B-C50C-407E-A947-70E740481C1C}">
                 <a14:useLocalDpi xmlns:a14="http://schemas.microsoft.com/office/drawing/2010/main" val="0"/>
@@ -29476,6 +29598,30 @@
           </a:prstGeom>
         </p:spPr>
       </p:pic>
+      <p:pic>
+        <p:nvPicPr>
+          <p:cNvPr id="5" name="Picture 4"/>
+          <p:cNvPicPr>
+            <a:picLocks noChangeAspect="1"/>
+          </p:cNvPicPr>
+          <p:nvPr/>
+        </p:nvPicPr>
+        <p:blipFill>
+          <a:blip r:embed="rId6"/>
+          <a:stretch>
+            <a:fillRect/>
+          </a:stretch>
+        </p:blipFill>
+        <p:spPr>
+          <a:xfrm>
+            <a:off x="9418320" y="6099048"/>
+            <a:ext cx="2796209" cy="775368"/>
+          </a:xfrm>
+          <a:prstGeom prst="rect">
+            <a:avLst/>
+          </a:prstGeom>
+        </p:spPr>
+      </p:pic>
     </p:spTree>
     <p:extLst>
       <p:ext uri="{BB962C8B-B14F-4D97-AF65-F5344CB8AC3E}">
@@ -29486,19 +29632,26 @@
   <p:clrMapOvr>
     <a:masterClrMapping/>
   </p:clrMapOvr>
-  <p:timing>
-    <p:tnLst>
-      <p:par>
-        <p:cTn id="1" dur="indefinite" restart="never" nodeType="tmRoot"/>
-      </p:par>
-    </p:tnLst>
-  </p:timing>
 </p:sld>
 </file>
 
 <file path=ppt/slides/slide6.xml><?xml version="1.0" encoding="utf-8"?>
 <p:sld xmlns:a="http://schemas.openxmlformats.org/drawingml/2006/main" xmlns:r="http://schemas.openxmlformats.org/officeDocument/2006/relationships" xmlns:p="http://schemas.openxmlformats.org/presentationml/2006/main">
   <p:cSld>
+    <p:bg>
+      <p:bgPr>
+        <a:blipFill dpi="0" rotWithShape="1">
+          <a:blip r:embed="rId2">
+            <a:lum/>
+          </a:blip>
+          <a:srcRect/>
+          <a:stretch>
+            <a:fillRect t="-12000" b="-12000"/>
+          </a:stretch>
+        </a:blipFill>
+        <a:effectLst/>
+      </p:bgPr>
+    </p:bg>
     <p:spTree>
       <p:nvGrpSpPr>
         <p:cNvPr id="1" name=""/>
@@ -29558,10 +29711,34 @@
         </p:xfrm>
         <a:graphic>
           <a:graphicData uri="http://schemas.openxmlformats.org/drawingml/2006/diagram">
-            <dgm:relIds xmlns:dgm="http://schemas.openxmlformats.org/drawingml/2006/diagram" xmlns:r="http://schemas.openxmlformats.org/officeDocument/2006/relationships" r:dm="rId2" r:lo="rId3" r:qs="rId4" r:cs="rId5"/>
+            <dgm:relIds xmlns:dgm="http://schemas.openxmlformats.org/drawingml/2006/diagram" xmlns:r="http://schemas.openxmlformats.org/officeDocument/2006/relationships" r:dm="rId3" r:lo="rId4" r:qs="rId5" r:cs="rId6"/>
           </a:graphicData>
         </a:graphic>
       </p:graphicFrame>
+      <p:pic>
+        <p:nvPicPr>
+          <p:cNvPr id="5" name="Picture 4"/>
+          <p:cNvPicPr>
+            <a:picLocks noChangeAspect="1"/>
+          </p:cNvPicPr>
+          <p:nvPr/>
+        </p:nvPicPr>
+        <p:blipFill>
+          <a:blip r:embed="rId8"/>
+          <a:stretch>
+            <a:fillRect/>
+          </a:stretch>
+        </p:blipFill>
+        <p:spPr>
+          <a:xfrm>
+            <a:off x="9418320" y="6099048"/>
+            <a:ext cx="2796209" cy="775368"/>
+          </a:xfrm>
+          <a:prstGeom prst="rect">
+            <a:avLst/>
+          </a:prstGeom>
+        </p:spPr>
+      </p:pic>
     </p:spTree>
     <p:extLst>
       <p:ext uri="{BB962C8B-B14F-4D97-AF65-F5344CB8AC3E}">
@@ -29572,13 +29749,6 @@
   <p:clrMapOvr>
     <a:masterClrMapping/>
   </p:clrMapOvr>
-  <p:timing>
-    <p:tnLst>
-      <p:par>
-        <p:cTn id="1" dur="indefinite" restart="never" nodeType="tmRoot"/>
-      </p:par>
-    </p:tnLst>
-  </p:timing>
 </p:sld>
 </file>
 
@@ -29926,13 +30096,6 @@
   <p:clrMapOvr>
     <a:masterClrMapping/>
   </p:clrMapOvr>
-  <p:timing>
-    <p:tnLst>
-      <p:par>
-        <p:cTn id="1" dur="indefinite" restart="never" nodeType="tmRoot"/>
-      </p:par>
-    </p:tnLst>
-  </p:timing>
 </p:sld>
 </file>
 
@@ -30240,7 +30403,7 @@
 <file path=ppt/theme/theme1.xml><?xml version="1.0" encoding="utf-8"?>
 <a:theme xmlns:a="http://schemas.openxmlformats.org/drawingml/2006/main" name="Office Theme">
   <a:themeElements>
-    <a:clrScheme name="Office">
+    <a:clrScheme name="Custom 1">
       <a:dk1>
         <a:sysClr val="windowText" lastClr="000000"/>
       </a:dk1>
@@ -30275,7 +30438,7 @@
         <a:srgbClr val="0563C1"/>
       </a:hlink>
       <a:folHlink>
-        <a:srgbClr val="954F72"/>
+        <a:srgbClr val="4472C4"/>
       </a:folHlink>
     </a:clrScheme>
     <a:fontScheme name="Office">
